--- a/ppt/send-arp-test.pptx
+++ b/ppt/send-arp-test.pptx
@@ -8,7 +8,7 @@
     <p:sldId id="256" r:id="rId3"/>
   </p:sldIdLst>
   <p:sldSz cx="10080625" cy="5670550"/>
-  <p:notesSz cx="7772400" cy="10058400"/>
+  <p:notesSz cx="7559675" cy="10691813"/>
 </p:presentation>
 </file>
 
@@ -53,7 +53,7 @@
       </p:grpSpPr>
       <p:sp>
         <p:nvSpPr>
-          <p:cNvPr id="26" name="PlaceHolder 1"/>
+          <p:cNvPr id="23" name="PlaceHolder 1"/>
           <p:cNvSpPr>
             <a:spLocks noGrp="1"/>
           </p:cNvSpPr>
@@ -64,18 +64,24 @@
         <p:spPr>
           <a:xfrm>
             <a:off x="504000" y="226080"/>
-            <a:ext cx="9071640" cy="946440"/>
+            <a:ext cx="9071280" cy="946080"/>
           </a:xfrm>
           <a:prstGeom prst="rect">
             <a:avLst/>
           </a:prstGeom>
+          <a:noFill/>
+          <a:ln w="0">
+            <a:noFill/>
+          </a:ln>
         </p:spPr>
         <p:txBody>
           <a:bodyPr lIns="0" rIns="0" tIns="0" bIns="0" anchor="ctr">
             <a:noAutofit/>
           </a:bodyPr>
           <a:p>
-            <a:pPr algn="ctr"/>
+            <a:pPr algn="ctr">
+              <a:buNone/>
+            </a:pPr>
             <a:endParaRPr b="0" lang="en-US" sz="4400" spc="-1" strike="noStrike">
               <a:latin typeface="Arial"/>
             </a:endParaRPr>
@@ -84,25 +90,29 @@
       </p:sp>
       <p:sp>
         <p:nvSpPr>
-          <p:cNvPr id="27" name="PlaceHolder 2"/>
+          <p:cNvPr id="24" name="PlaceHolder 2"/>
           <p:cNvSpPr>
             <a:spLocks noGrp="1"/>
           </p:cNvSpPr>
           <p:nvPr>
-            <p:ph type="body"/>
+            <p:ph/>
           </p:nvPr>
         </p:nvSpPr>
         <p:spPr>
           <a:xfrm>
             <a:off x="504000" y="1326600"/>
-            <a:ext cx="9071640" cy="1568160"/>
+            <a:ext cx="9072000" cy="1568520"/>
           </a:xfrm>
           <a:prstGeom prst="rect">
             <a:avLst/>
           </a:prstGeom>
+          <a:noFill/>
+          <a:ln w="0">
+            <a:noFill/>
+          </a:ln>
         </p:spPr>
         <p:txBody>
-          <a:bodyPr lIns="0" rIns="0" tIns="0" bIns="0">
+          <a:bodyPr lIns="0" rIns="0" tIns="0" bIns="0" anchor="t">
             <a:normAutofit/>
           </a:bodyPr>
           <a:p>
@@ -114,25 +124,29 @@
       </p:sp>
       <p:sp>
         <p:nvSpPr>
-          <p:cNvPr id="28" name="PlaceHolder 3"/>
+          <p:cNvPr id="25" name="PlaceHolder 3"/>
           <p:cNvSpPr>
             <a:spLocks noGrp="1"/>
           </p:cNvSpPr>
           <p:nvPr>
-            <p:ph type="body"/>
+            <p:ph/>
           </p:nvPr>
         </p:nvSpPr>
         <p:spPr>
           <a:xfrm>
-            <a:off x="504000" y="3044160"/>
-            <a:ext cx="9071640" cy="1568160"/>
+            <a:off x="504000" y="3044520"/>
+            <a:ext cx="9072000" cy="1568520"/>
           </a:xfrm>
           <a:prstGeom prst="rect">
             <a:avLst/>
           </a:prstGeom>
+          <a:noFill/>
+          <a:ln w="0">
+            <a:noFill/>
+          </a:ln>
         </p:spPr>
         <p:txBody>
-          <a:bodyPr lIns="0" rIns="0" tIns="0" bIns="0">
+          <a:bodyPr lIns="0" rIns="0" tIns="0" bIns="0" anchor="t">
             <a:normAutofit/>
           </a:bodyPr>
           <a:p>
@@ -166,7 +180,7 @@
       </p:grpSpPr>
       <p:sp>
         <p:nvSpPr>
-          <p:cNvPr id="29" name="PlaceHolder 1"/>
+          <p:cNvPr id="26" name="PlaceHolder 1"/>
           <p:cNvSpPr>
             <a:spLocks noGrp="1"/>
           </p:cNvSpPr>
@@ -177,18 +191,24 @@
         <p:spPr>
           <a:xfrm>
             <a:off x="504000" y="226080"/>
-            <a:ext cx="9071640" cy="946440"/>
+            <a:ext cx="9071280" cy="946080"/>
           </a:xfrm>
           <a:prstGeom prst="rect">
             <a:avLst/>
           </a:prstGeom>
+          <a:noFill/>
+          <a:ln w="0">
+            <a:noFill/>
+          </a:ln>
         </p:spPr>
         <p:txBody>
           <a:bodyPr lIns="0" rIns="0" tIns="0" bIns="0" anchor="ctr">
             <a:noAutofit/>
           </a:bodyPr>
           <a:p>
-            <a:pPr algn="ctr"/>
+            <a:pPr algn="ctr">
+              <a:buNone/>
+            </a:pPr>
             <a:endParaRPr b="0" lang="en-US" sz="4400" spc="-1" strike="noStrike">
               <a:latin typeface="Arial"/>
             </a:endParaRPr>
@@ -197,25 +217,29 @@
       </p:sp>
       <p:sp>
         <p:nvSpPr>
-          <p:cNvPr id="30" name="PlaceHolder 2"/>
+          <p:cNvPr id="27" name="PlaceHolder 2"/>
           <p:cNvSpPr>
             <a:spLocks noGrp="1"/>
           </p:cNvSpPr>
           <p:nvPr>
-            <p:ph type="body"/>
+            <p:ph/>
           </p:nvPr>
         </p:nvSpPr>
         <p:spPr>
           <a:xfrm>
             <a:off x="504000" y="1326600"/>
-            <a:ext cx="4426920" cy="1568160"/>
+            <a:ext cx="4426920" cy="1568520"/>
           </a:xfrm>
           <a:prstGeom prst="rect">
             <a:avLst/>
           </a:prstGeom>
+          <a:noFill/>
+          <a:ln w="0">
+            <a:noFill/>
+          </a:ln>
         </p:spPr>
         <p:txBody>
-          <a:bodyPr lIns="0" rIns="0" tIns="0" bIns="0">
+          <a:bodyPr lIns="0" rIns="0" tIns="0" bIns="0" anchor="t">
             <a:normAutofit/>
           </a:bodyPr>
           <a:p>
@@ -227,25 +251,29 @@
       </p:sp>
       <p:sp>
         <p:nvSpPr>
-          <p:cNvPr id="31" name="PlaceHolder 3"/>
+          <p:cNvPr id="28" name="PlaceHolder 3"/>
           <p:cNvSpPr>
             <a:spLocks noGrp="1"/>
           </p:cNvSpPr>
           <p:nvPr>
-            <p:ph type="body"/>
+            <p:ph/>
           </p:nvPr>
         </p:nvSpPr>
         <p:spPr>
           <a:xfrm>
             <a:off x="5152680" y="1326600"/>
-            <a:ext cx="4426920" cy="1568160"/>
+            <a:ext cx="4426920" cy="1568520"/>
           </a:xfrm>
           <a:prstGeom prst="rect">
             <a:avLst/>
           </a:prstGeom>
+          <a:noFill/>
+          <a:ln w="0">
+            <a:noFill/>
+          </a:ln>
         </p:spPr>
         <p:txBody>
-          <a:bodyPr lIns="0" rIns="0" tIns="0" bIns="0">
+          <a:bodyPr lIns="0" rIns="0" tIns="0" bIns="0" anchor="t">
             <a:normAutofit/>
           </a:bodyPr>
           <a:p>
@@ -257,25 +285,29 @@
       </p:sp>
       <p:sp>
         <p:nvSpPr>
-          <p:cNvPr id="32" name="PlaceHolder 4"/>
+          <p:cNvPr id="29" name="PlaceHolder 4"/>
           <p:cNvSpPr>
             <a:spLocks noGrp="1"/>
           </p:cNvSpPr>
           <p:nvPr>
-            <p:ph type="body"/>
+            <p:ph/>
           </p:nvPr>
         </p:nvSpPr>
         <p:spPr>
           <a:xfrm>
-            <a:off x="504000" y="3044160"/>
-            <a:ext cx="4426920" cy="1568160"/>
+            <a:off x="504000" y="3044520"/>
+            <a:ext cx="4426920" cy="1568520"/>
           </a:xfrm>
           <a:prstGeom prst="rect">
             <a:avLst/>
           </a:prstGeom>
+          <a:noFill/>
+          <a:ln w="0">
+            <a:noFill/>
+          </a:ln>
         </p:spPr>
         <p:txBody>
-          <a:bodyPr lIns="0" rIns="0" tIns="0" bIns="0">
+          <a:bodyPr lIns="0" rIns="0" tIns="0" bIns="0" anchor="t">
             <a:normAutofit/>
           </a:bodyPr>
           <a:p>
@@ -287,25 +319,29 @@
       </p:sp>
       <p:sp>
         <p:nvSpPr>
-          <p:cNvPr id="33" name="PlaceHolder 5"/>
+          <p:cNvPr id="30" name="PlaceHolder 5"/>
           <p:cNvSpPr>
             <a:spLocks noGrp="1"/>
           </p:cNvSpPr>
           <p:nvPr>
-            <p:ph type="body"/>
+            <p:ph/>
           </p:nvPr>
         </p:nvSpPr>
         <p:spPr>
           <a:xfrm>
-            <a:off x="5152680" y="3044160"/>
-            <a:ext cx="4426920" cy="1568160"/>
+            <a:off x="5152680" y="3044520"/>
+            <a:ext cx="4426920" cy="1568520"/>
           </a:xfrm>
           <a:prstGeom prst="rect">
             <a:avLst/>
           </a:prstGeom>
+          <a:noFill/>
+          <a:ln w="0">
+            <a:noFill/>
+          </a:ln>
         </p:spPr>
         <p:txBody>
-          <a:bodyPr lIns="0" rIns="0" tIns="0" bIns="0">
+          <a:bodyPr lIns="0" rIns="0" tIns="0" bIns="0" anchor="t">
             <a:normAutofit/>
           </a:bodyPr>
           <a:p>
@@ -339,7 +375,7 @@
       </p:grpSpPr>
       <p:sp>
         <p:nvSpPr>
-          <p:cNvPr id="34" name="PlaceHolder 1"/>
+          <p:cNvPr id="31" name="PlaceHolder 1"/>
           <p:cNvSpPr>
             <a:spLocks noGrp="1"/>
           </p:cNvSpPr>
@@ -350,18 +386,24 @@
         <p:spPr>
           <a:xfrm>
             <a:off x="504000" y="226080"/>
-            <a:ext cx="9071640" cy="946440"/>
+            <a:ext cx="9071280" cy="946080"/>
           </a:xfrm>
           <a:prstGeom prst="rect">
             <a:avLst/>
           </a:prstGeom>
+          <a:noFill/>
+          <a:ln w="0">
+            <a:noFill/>
+          </a:ln>
         </p:spPr>
         <p:txBody>
           <a:bodyPr lIns="0" rIns="0" tIns="0" bIns="0" anchor="ctr">
             <a:noAutofit/>
           </a:bodyPr>
           <a:p>
-            <a:pPr algn="ctr"/>
+            <a:pPr algn="ctr">
+              <a:buNone/>
+            </a:pPr>
             <a:endParaRPr b="0" lang="en-US" sz="4400" spc="-1" strike="noStrike">
               <a:latin typeface="Arial"/>
             </a:endParaRPr>
@@ -370,25 +412,29 @@
       </p:sp>
       <p:sp>
         <p:nvSpPr>
-          <p:cNvPr id="35" name="PlaceHolder 2"/>
+          <p:cNvPr id="32" name="PlaceHolder 2"/>
           <p:cNvSpPr>
             <a:spLocks noGrp="1"/>
           </p:cNvSpPr>
           <p:nvPr>
-            <p:ph type="body"/>
+            <p:ph/>
           </p:nvPr>
         </p:nvSpPr>
         <p:spPr>
           <a:xfrm>
             <a:off x="504000" y="1326600"/>
-            <a:ext cx="2920680" cy="1568160"/>
+            <a:ext cx="2921040" cy="1568520"/>
           </a:xfrm>
           <a:prstGeom prst="rect">
             <a:avLst/>
           </a:prstGeom>
+          <a:noFill/>
+          <a:ln w="0">
+            <a:noFill/>
+          </a:ln>
         </p:spPr>
         <p:txBody>
-          <a:bodyPr lIns="0" rIns="0" tIns="0" bIns="0">
+          <a:bodyPr lIns="0" rIns="0" tIns="0" bIns="0" anchor="t">
             <a:normAutofit/>
           </a:bodyPr>
           <a:p>
@@ -400,25 +446,29 @@
       </p:sp>
       <p:sp>
         <p:nvSpPr>
-          <p:cNvPr id="36" name="PlaceHolder 3"/>
+          <p:cNvPr id="33" name="PlaceHolder 3"/>
           <p:cNvSpPr>
             <a:spLocks noGrp="1"/>
           </p:cNvSpPr>
           <p:nvPr>
-            <p:ph type="body"/>
+            <p:ph/>
           </p:nvPr>
         </p:nvSpPr>
         <p:spPr>
           <a:xfrm>
-            <a:off x="3571200" y="1326600"/>
-            <a:ext cx="2920680" cy="1568160"/>
+            <a:off x="3571560" y="1326600"/>
+            <a:ext cx="2921040" cy="1568520"/>
           </a:xfrm>
           <a:prstGeom prst="rect">
             <a:avLst/>
           </a:prstGeom>
+          <a:noFill/>
+          <a:ln w="0">
+            <a:noFill/>
+          </a:ln>
         </p:spPr>
         <p:txBody>
-          <a:bodyPr lIns="0" rIns="0" tIns="0" bIns="0">
+          <a:bodyPr lIns="0" rIns="0" tIns="0" bIns="0" anchor="t">
             <a:normAutofit/>
           </a:bodyPr>
           <a:p>
@@ -430,25 +480,29 @@
       </p:sp>
       <p:sp>
         <p:nvSpPr>
-          <p:cNvPr id="37" name="PlaceHolder 4"/>
+          <p:cNvPr id="34" name="PlaceHolder 4"/>
           <p:cNvSpPr>
             <a:spLocks noGrp="1"/>
           </p:cNvSpPr>
           <p:nvPr>
-            <p:ph type="body"/>
+            <p:ph/>
           </p:nvPr>
         </p:nvSpPr>
         <p:spPr>
           <a:xfrm>
-            <a:off x="6638040" y="1326600"/>
-            <a:ext cx="2920680" cy="1568160"/>
+            <a:off x="6639120" y="1326600"/>
+            <a:ext cx="2921040" cy="1568520"/>
           </a:xfrm>
           <a:prstGeom prst="rect">
             <a:avLst/>
           </a:prstGeom>
+          <a:noFill/>
+          <a:ln w="0">
+            <a:noFill/>
+          </a:ln>
         </p:spPr>
         <p:txBody>
-          <a:bodyPr lIns="0" rIns="0" tIns="0" bIns="0">
+          <a:bodyPr lIns="0" rIns="0" tIns="0" bIns="0" anchor="t">
             <a:normAutofit/>
           </a:bodyPr>
           <a:p>
@@ -460,25 +514,29 @@
       </p:sp>
       <p:sp>
         <p:nvSpPr>
-          <p:cNvPr id="38" name="PlaceHolder 5"/>
+          <p:cNvPr id="35" name="PlaceHolder 5"/>
           <p:cNvSpPr>
             <a:spLocks noGrp="1"/>
           </p:cNvSpPr>
           <p:nvPr>
-            <p:ph type="body"/>
+            <p:ph/>
           </p:nvPr>
         </p:nvSpPr>
         <p:spPr>
           <a:xfrm>
-            <a:off x="504000" y="3044160"/>
-            <a:ext cx="2920680" cy="1568160"/>
+            <a:off x="504000" y="3044520"/>
+            <a:ext cx="2921040" cy="1568520"/>
           </a:xfrm>
           <a:prstGeom prst="rect">
             <a:avLst/>
           </a:prstGeom>
+          <a:noFill/>
+          <a:ln w="0">
+            <a:noFill/>
+          </a:ln>
         </p:spPr>
         <p:txBody>
-          <a:bodyPr lIns="0" rIns="0" tIns="0" bIns="0">
+          <a:bodyPr lIns="0" rIns="0" tIns="0" bIns="0" anchor="t">
             <a:normAutofit/>
           </a:bodyPr>
           <a:p>
@@ -490,25 +548,29 @@
       </p:sp>
       <p:sp>
         <p:nvSpPr>
-          <p:cNvPr id="39" name="PlaceHolder 6"/>
+          <p:cNvPr id="36" name="PlaceHolder 6"/>
           <p:cNvSpPr>
             <a:spLocks noGrp="1"/>
           </p:cNvSpPr>
           <p:nvPr>
-            <p:ph type="body"/>
+            <p:ph/>
           </p:nvPr>
         </p:nvSpPr>
         <p:spPr>
           <a:xfrm>
-            <a:off x="3571200" y="3044160"/>
-            <a:ext cx="2920680" cy="1568160"/>
+            <a:off x="3571560" y="3044520"/>
+            <a:ext cx="2921040" cy="1568520"/>
           </a:xfrm>
           <a:prstGeom prst="rect">
             <a:avLst/>
           </a:prstGeom>
+          <a:noFill/>
+          <a:ln w="0">
+            <a:noFill/>
+          </a:ln>
         </p:spPr>
         <p:txBody>
-          <a:bodyPr lIns="0" rIns="0" tIns="0" bIns="0">
+          <a:bodyPr lIns="0" rIns="0" tIns="0" bIns="0" anchor="t">
             <a:normAutofit/>
           </a:bodyPr>
           <a:p>
@@ -520,25 +582,29 @@
       </p:sp>
       <p:sp>
         <p:nvSpPr>
-          <p:cNvPr id="40" name="PlaceHolder 7"/>
+          <p:cNvPr id="37" name="PlaceHolder 7"/>
           <p:cNvSpPr>
             <a:spLocks noGrp="1"/>
           </p:cNvSpPr>
           <p:nvPr>
-            <p:ph type="body"/>
+            <p:ph/>
           </p:nvPr>
         </p:nvSpPr>
         <p:spPr>
           <a:xfrm>
-            <a:off x="6638040" y="3044160"/>
-            <a:ext cx="2920680" cy="1568160"/>
+            <a:off x="6639120" y="3044520"/>
+            <a:ext cx="2921040" cy="1568520"/>
           </a:xfrm>
           <a:prstGeom prst="rect">
             <a:avLst/>
           </a:prstGeom>
+          <a:noFill/>
+          <a:ln w="0">
+            <a:noFill/>
+          </a:ln>
         </p:spPr>
         <p:txBody>
-          <a:bodyPr lIns="0" rIns="0" tIns="0" bIns="0">
+          <a:bodyPr lIns="0" rIns="0" tIns="0" bIns="0" anchor="t">
             <a:normAutofit/>
           </a:bodyPr>
           <a:p>
@@ -572,7 +638,7 @@
       </p:grpSpPr>
       <p:sp>
         <p:nvSpPr>
-          <p:cNvPr id="5" name="PlaceHolder 1"/>
+          <p:cNvPr id="2" name="PlaceHolder 1"/>
           <p:cNvSpPr>
             <a:spLocks noGrp="1"/>
           </p:cNvSpPr>
@@ -583,18 +649,24 @@
         <p:spPr>
           <a:xfrm>
             <a:off x="504000" y="226080"/>
-            <a:ext cx="9071640" cy="946440"/>
+            <a:ext cx="9071280" cy="946080"/>
           </a:xfrm>
           <a:prstGeom prst="rect">
             <a:avLst/>
           </a:prstGeom>
+          <a:noFill/>
+          <a:ln w="0">
+            <a:noFill/>
+          </a:ln>
         </p:spPr>
         <p:txBody>
           <a:bodyPr lIns="0" rIns="0" tIns="0" bIns="0" anchor="ctr">
             <a:noAutofit/>
           </a:bodyPr>
           <a:p>
-            <a:pPr algn="ctr"/>
+            <a:pPr algn="ctr">
+              <a:buNone/>
+            </a:pPr>
             <a:endParaRPr b="0" lang="en-US" sz="4400" spc="-1" strike="noStrike">
               <a:latin typeface="Arial"/>
             </a:endParaRPr>
@@ -603,7 +675,7 @@
       </p:sp>
       <p:sp>
         <p:nvSpPr>
-          <p:cNvPr id="6" name="PlaceHolder 2"/>
+          <p:cNvPr id="3" name="PlaceHolder 2"/>
           <p:cNvSpPr>
             <a:spLocks noGrp="1"/>
           </p:cNvSpPr>
@@ -614,18 +686,24 @@
         <p:spPr>
           <a:xfrm>
             <a:off x="504000" y="1326600"/>
-            <a:ext cx="9071640" cy="3288240"/>
+            <a:ext cx="9072000" cy="3288600"/>
           </a:xfrm>
           <a:prstGeom prst="rect">
             <a:avLst/>
           </a:prstGeom>
+          <a:noFill/>
+          <a:ln w="0">
+            <a:noFill/>
+          </a:ln>
         </p:spPr>
         <p:txBody>
           <a:bodyPr lIns="0" rIns="0" tIns="0" bIns="0" anchor="ctr">
             <a:noAutofit/>
           </a:bodyPr>
           <a:p>
-            <a:pPr algn="ctr"/>
+            <a:pPr algn="ctr">
+              <a:buNone/>
+            </a:pPr>
             <a:endParaRPr b="0" lang="en-US" sz="3200" spc="-1" strike="noStrike">
               <a:latin typeface="Arial"/>
             </a:endParaRPr>
@@ -656,7 +734,7 @@
       </p:grpSpPr>
       <p:sp>
         <p:nvSpPr>
-          <p:cNvPr id="7" name="PlaceHolder 1"/>
+          <p:cNvPr id="4" name="PlaceHolder 1"/>
           <p:cNvSpPr>
             <a:spLocks noGrp="1"/>
           </p:cNvSpPr>
@@ -667,18 +745,24 @@
         <p:spPr>
           <a:xfrm>
             <a:off x="504000" y="226080"/>
-            <a:ext cx="9071640" cy="946440"/>
+            <a:ext cx="9071280" cy="946080"/>
           </a:xfrm>
           <a:prstGeom prst="rect">
             <a:avLst/>
           </a:prstGeom>
+          <a:noFill/>
+          <a:ln w="0">
+            <a:noFill/>
+          </a:ln>
         </p:spPr>
         <p:txBody>
           <a:bodyPr lIns="0" rIns="0" tIns="0" bIns="0" anchor="ctr">
             <a:noAutofit/>
           </a:bodyPr>
           <a:p>
-            <a:pPr algn="ctr"/>
+            <a:pPr algn="ctr">
+              <a:buNone/>
+            </a:pPr>
             <a:endParaRPr b="0" lang="en-US" sz="4400" spc="-1" strike="noStrike">
               <a:latin typeface="Arial"/>
             </a:endParaRPr>
@@ -687,25 +771,29 @@
       </p:sp>
       <p:sp>
         <p:nvSpPr>
-          <p:cNvPr id="8" name="PlaceHolder 2"/>
+          <p:cNvPr id="5" name="PlaceHolder 2"/>
           <p:cNvSpPr>
             <a:spLocks noGrp="1"/>
           </p:cNvSpPr>
           <p:nvPr>
-            <p:ph type="body"/>
+            <p:ph/>
           </p:nvPr>
         </p:nvSpPr>
         <p:spPr>
           <a:xfrm>
             <a:off x="504000" y="1326600"/>
-            <a:ext cx="9071640" cy="3288240"/>
+            <a:ext cx="9072000" cy="3288600"/>
           </a:xfrm>
           <a:prstGeom prst="rect">
             <a:avLst/>
           </a:prstGeom>
+          <a:noFill/>
+          <a:ln w="0">
+            <a:noFill/>
+          </a:ln>
         </p:spPr>
         <p:txBody>
-          <a:bodyPr lIns="0" rIns="0" tIns="0" bIns="0">
+          <a:bodyPr lIns="0" rIns="0" tIns="0" bIns="0" anchor="t">
             <a:normAutofit/>
           </a:bodyPr>
           <a:p>
@@ -723,6 +811,133 @@
 <file path=ppt/slideLayouts/slideLayout4.xml><?xml version="1.0" encoding="utf-8"?>
 <p:sldLayout xmlns:a="http://schemas.openxmlformats.org/drawingml/2006/main" xmlns:p="http://schemas.openxmlformats.org/presentationml/2006/main" xmlns:r="http://schemas.openxmlformats.org/officeDocument/2006/relationships" xmlns:p14="http://schemas.microsoft.com/office/powerpoint/2010/main" xmlns:p15="http://schemas.microsoft.com/office/powerpoint/2012/main" xmlns:mc="http://schemas.openxmlformats.org/markup-compatibility/2006" type="twoObj" preserve="1">
   <p:cSld name="Title, 2 Content">
+    <p:spTree>
+      <p:nvGrpSpPr>
+        <p:cNvPr id="1" name=""/>
+        <p:cNvGrpSpPr/>
+        <p:nvPr/>
+      </p:nvGrpSpPr>
+      <p:grpSpPr>
+        <a:xfrm>
+          <a:off x="0" y="0"/>
+          <a:ext cx="0" cy="0"/>
+          <a:chOff x="0" y="0"/>
+          <a:chExt cx="0" cy="0"/>
+        </a:xfrm>
+      </p:grpSpPr>
+      <p:sp>
+        <p:nvSpPr>
+          <p:cNvPr id="6" name="PlaceHolder 1"/>
+          <p:cNvSpPr>
+            <a:spLocks noGrp="1"/>
+          </p:cNvSpPr>
+          <p:nvPr>
+            <p:ph type="title"/>
+          </p:nvPr>
+        </p:nvSpPr>
+        <p:spPr>
+          <a:xfrm>
+            <a:off x="504000" y="226080"/>
+            <a:ext cx="9071280" cy="946080"/>
+          </a:xfrm>
+          <a:prstGeom prst="rect">
+            <a:avLst/>
+          </a:prstGeom>
+          <a:noFill/>
+          <a:ln w="0">
+            <a:noFill/>
+          </a:ln>
+        </p:spPr>
+        <p:txBody>
+          <a:bodyPr lIns="0" rIns="0" tIns="0" bIns="0" anchor="ctr">
+            <a:noAutofit/>
+          </a:bodyPr>
+          <a:p>
+            <a:pPr algn="ctr">
+              <a:buNone/>
+            </a:pPr>
+            <a:endParaRPr b="0" lang="en-US" sz="4400" spc="-1" strike="noStrike">
+              <a:latin typeface="Arial"/>
+            </a:endParaRPr>
+          </a:p>
+        </p:txBody>
+      </p:sp>
+      <p:sp>
+        <p:nvSpPr>
+          <p:cNvPr id="7" name="PlaceHolder 2"/>
+          <p:cNvSpPr>
+            <a:spLocks noGrp="1"/>
+          </p:cNvSpPr>
+          <p:nvPr>
+            <p:ph/>
+          </p:nvPr>
+        </p:nvSpPr>
+        <p:spPr>
+          <a:xfrm>
+            <a:off x="504000" y="1326600"/>
+            <a:ext cx="4426920" cy="3288600"/>
+          </a:xfrm>
+          <a:prstGeom prst="rect">
+            <a:avLst/>
+          </a:prstGeom>
+          <a:noFill/>
+          <a:ln w="0">
+            <a:noFill/>
+          </a:ln>
+        </p:spPr>
+        <p:txBody>
+          <a:bodyPr lIns="0" rIns="0" tIns="0" bIns="0" anchor="t">
+            <a:normAutofit/>
+          </a:bodyPr>
+          <a:p>
+            <a:endParaRPr b="0" lang="en-US" sz="3200" spc="-1" strike="noStrike">
+              <a:latin typeface="Arial"/>
+            </a:endParaRPr>
+          </a:p>
+        </p:txBody>
+      </p:sp>
+      <p:sp>
+        <p:nvSpPr>
+          <p:cNvPr id="8" name="PlaceHolder 3"/>
+          <p:cNvSpPr>
+            <a:spLocks noGrp="1"/>
+          </p:cNvSpPr>
+          <p:nvPr>
+            <p:ph/>
+          </p:nvPr>
+        </p:nvSpPr>
+        <p:spPr>
+          <a:xfrm>
+            <a:off x="5152680" y="1326600"/>
+            <a:ext cx="4426920" cy="3288600"/>
+          </a:xfrm>
+          <a:prstGeom prst="rect">
+            <a:avLst/>
+          </a:prstGeom>
+          <a:noFill/>
+          <a:ln w="0">
+            <a:noFill/>
+          </a:ln>
+        </p:spPr>
+        <p:txBody>
+          <a:bodyPr lIns="0" rIns="0" tIns="0" bIns="0" anchor="t">
+            <a:normAutofit/>
+          </a:bodyPr>
+          <a:p>
+            <a:endParaRPr b="0" lang="en-US" sz="3200" spc="-1" strike="noStrike">
+              <a:latin typeface="Arial"/>
+            </a:endParaRPr>
+          </a:p>
+        </p:txBody>
+      </p:sp>
+    </p:spTree>
+  </p:cSld>
+</p:sldLayout>
+</file>
+
+<file path=ppt/slideLayouts/slideLayout5.xml><?xml version="1.0" encoding="utf-8"?>
+<p:sldLayout xmlns:a="http://schemas.openxmlformats.org/drawingml/2006/main" xmlns:p="http://schemas.openxmlformats.org/presentationml/2006/main" xmlns:r="http://schemas.openxmlformats.org/officeDocument/2006/relationships" xmlns:p14="http://schemas.microsoft.com/office/powerpoint/2010/main" xmlns:p15="http://schemas.microsoft.com/office/powerpoint/2012/main" xmlns:mc="http://schemas.openxmlformats.org/markup-compatibility/2006" type="titleOnly" preserve="1">
+  <p:cSld name="Title Only">
     <p:spTree>
       <p:nvGrpSpPr>
         <p:cNvPr id="1" name=""/>
@@ -750,131 +965,24 @@
         <p:spPr>
           <a:xfrm>
             <a:off x="504000" y="226080"/>
-            <a:ext cx="9071640" cy="946440"/>
+            <a:ext cx="9071280" cy="946080"/>
           </a:xfrm>
           <a:prstGeom prst="rect">
             <a:avLst/>
           </a:prstGeom>
+          <a:noFill/>
+          <a:ln w="0">
+            <a:noFill/>
+          </a:ln>
         </p:spPr>
         <p:txBody>
           <a:bodyPr lIns="0" rIns="0" tIns="0" bIns="0" anchor="ctr">
             <a:noAutofit/>
           </a:bodyPr>
           <a:p>
-            <a:pPr algn="ctr"/>
-            <a:endParaRPr b="0" lang="en-US" sz="4400" spc="-1" strike="noStrike">
-              <a:latin typeface="Arial"/>
-            </a:endParaRPr>
-          </a:p>
-        </p:txBody>
-      </p:sp>
-      <p:sp>
-        <p:nvSpPr>
-          <p:cNvPr id="10" name="PlaceHolder 2"/>
-          <p:cNvSpPr>
-            <a:spLocks noGrp="1"/>
-          </p:cNvSpPr>
-          <p:nvPr>
-            <p:ph type="body"/>
-          </p:nvPr>
-        </p:nvSpPr>
-        <p:spPr>
-          <a:xfrm>
-            <a:off x="504000" y="1326600"/>
-            <a:ext cx="4426920" cy="3288240"/>
-          </a:xfrm>
-          <a:prstGeom prst="rect">
-            <a:avLst/>
-          </a:prstGeom>
-        </p:spPr>
-        <p:txBody>
-          <a:bodyPr lIns="0" rIns="0" tIns="0" bIns="0">
-            <a:normAutofit/>
-          </a:bodyPr>
-          <a:p>
-            <a:endParaRPr b="0" lang="en-US" sz="3200" spc="-1" strike="noStrike">
-              <a:latin typeface="Arial"/>
-            </a:endParaRPr>
-          </a:p>
-        </p:txBody>
-      </p:sp>
-      <p:sp>
-        <p:nvSpPr>
-          <p:cNvPr id="11" name="PlaceHolder 3"/>
-          <p:cNvSpPr>
-            <a:spLocks noGrp="1"/>
-          </p:cNvSpPr>
-          <p:nvPr>
-            <p:ph type="body"/>
-          </p:nvPr>
-        </p:nvSpPr>
-        <p:spPr>
-          <a:xfrm>
-            <a:off x="5152680" y="1326600"/>
-            <a:ext cx="4426920" cy="3288240"/>
-          </a:xfrm>
-          <a:prstGeom prst="rect">
-            <a:avLst/>
-          </a:prstGeom>
-        </p:spPr>
-        <p:txBody>
-          <a:bodyPr lIns="0" rIns="0" tIns="0" bIns="0">
-            <a:normAutofit/>
-          </a:bodyPr>
-          <a:p>
-            <a:endParaRPr b="0" lang="en-US" sz="3200" spc="-1" strike="noStrike">
-              <a:latin typeface="Arial"/>
-            </a:endParaRPr>
-          </a:p>
-        </p:txBody>
-      </p:sp>
-    </p:spTree>
-  </p:cSld>
-</p:sldLayout>
-</file>
-
-<file path=ppt/slideLayouts/slideLayout5.xml><?xml version="1.0" encoding="utf-8"?>
-<p:sldLayout xmlns:a="http://schemas.openxmlformats.org/drawingml/2006/main" xmlns:p="http://schemas.openxmlformats.org/presentationml/2006/main" xmlns:r="http://schemas.openxmlformats.org/officeDocument/2006/relationships" xmlns:p14="http://schemas.microsoft.com/office/powerpoint/2010/main" xmlns:p15="http://schemas.microsoft.com/office/powerpoint/2012/main" xmlns:mc="http://schemas.openxmlformats.org/markup-compatibility/2006" type="titleOnly" preserve="1">
-  <p:cSld name="Title Only">
-    <p:spTree>
-      <p:nvGrpSpPr>
-        <p:cNvPr id="1" name=""/>
-        <p:cNvGrpSpPr/>
-        <p:nvPr/>
-      </p:nvGrpSpPr>
-      <p:grpSpPr>
-        <a:xfrm>
-          <a:off x="0" y="0"/>
-          <a:ext cx="0" cy="0"/>
-          <a:chOff x="0" y="0"/>
-          <a:chExt cx="0" cy="0"/>
-        </a:xfrm>
-      </p:grpSpPr>
-      <p:sp>
-        <p:nvSpPr>
-          <p:cNvPr id="12" name="PlaceHolder 1"/>
-          <p:cNvSpPr>
-            <a:spLocks noGrp="1"/>
-          </p:cNvSpPr>
-          <p:nvPr>
-            <p:ph type="title"/>
-          </p:nvPr>
-        </p:nvSpPr>
-        <p:spPr>
-          <a:xfrm>
-            <a:off x="504000" y="226080"/>
-            <a:ext cx="9071640" cy="946440"/>
-          </a:xfrm>
-          <a:prstGeom prst="rect">
-            <a:avLst/>
-          </a:prstGeom>
-        </p:spPr>
-        <p:txBody>
-          <a:bodyPr lIns="0" rIns="0" tIns="0" bIns="0" anchor="ctr">
-            <a:noAutofit/>
-          </a:bodyPr>
-          <a:p>
-            <a:pPr algn="ctr"/>
+            <a:pPr algn="ctr">
+              <a:buNone/>
+            </a:pPr>
             <a:endParaRPr b="0" lang="en-US" sz="4400" spc="-1" strike="noStrike">
               <a:latin typeface="Arial"/>
             </a:endParaRPr>
@@ -905,7 +1013,7 @@
       </p:grpSpPr>
       <p:sp>
         <p:nvSpPr>
-          <p:cNvPr id="13" name="PlaceHolder 1"/>
+          <p:cNvPr id="10" name="PlaceHolder 1"/>
           <p:cNvSpPr>
             <a:spLocks noGrp="1"/>
           </p:cNvSpPr>
@@ -916,18 +1024,24 @@
         <p:spPr>
           <a:xfrm>
             <a:off x="504000" y="226080"/>
-            <a:ext cx="9071640" cy="4388400"/>
+            <a:ext cx="9071280" cy="4386600"/>
           </a:xfrm>
           <a:prstGeom prst="rect">
             <a:avLst/>
           </a:prstGeom>
+          <a:noFill/>
+          <a:ln w="0">
+            <a:noFill/>
+          </a:ln>
         </p:spPr>
         <p:txBody>
           <a:bodyPr lIns="0" rIns="0" tIns="0" bIns="0" anchor="ctr">
             <a:noAutofit/>
           </a:bodyPr>
           <a:p>
-            <a:pPr algn="ctr"/>
+            <a:pPr algn="ctr">
+              <a:buNone/>
+            </a:pPr>
             <a:endParaRPr b="0" lang="en-US" sz="3200" spc="-1" strike="noStrike">
               <a:latin typeface="Arial"/>
             </a:endParaRPr>
@@ -958,7 +1072,7 @@
       </p:grpSpPr>
       <p:sp>
         <p:nvSpPr>
-          <p:cNvPr id="14" name="PlaceHolder 1"/>
+          <p:cNvPr id="11" name="PlaceHolder 1"/>
           <p:cNvSpPr>
             <a:spLocks noGrp="1"/>
           </p:cNvSpPr>
@@ -969,18 +1083,24 @@
         <p:spPr>
           <a:xfrm>
             <a:off x="504000" y="226080"/>
-            <a:ext cx="9071640" cy="946440"/>
+            <a:ext cx="9071280" cy="946080"/>
           </a:xfrm>
           <a:prstGeom prst="rect">
             <a:avLst/>
           </a:prstGeom>
+          <a:noFill/>
+          <a:ln w="0">
+            <a:noFill/>
+          </a:ln>
         </p:spPr>
         <p:txBody>
           <a:bodyPr lIns="0" rIns="0" tIns="0" bIns="0" anchor="ctr">
             <a:noAutofit/>
           </a:bodyPr>
           <a:p>
-            <a:pPr algn="ctr"/>
+            <a:pPr algn="ctr">
+              <a:buNone/>
+            </a:pPr>
             <a:endParaRPr b="0" lang="en-US" sz="4400" spc="-1" strike="noStrike">
               <a:latin typeface="Arial"/>
             </a:endParaRPr>
@@ -989,25 +1109,29 @@
       </p:sp>
       <p:sp>
         <p:nvSpPr>
-          <p:cNvPr id="15" name="PlaceHolder 2"/>
+          <p:cNvPr id="12" name="PlaceHolder 2"/>
           <p:cNvSpPr>
             <a:spLocks noGrp="1"/>
           </p:cNvSpPr>
           <p:nvPr>
-            <p:ph type="body"/>
+            <p:ph/>
           </p:nvPr>
         </p:nvSpPr>
         <p:spPr>
           <a:xfrm>
             <a:off x="504000" y="1326600"/>
-            <a:ext cx="4426920" cy="1568160"/>
+            <a:ext cx="4426920" cy="1568520"/>
           </a:xfrm>
           <a:prstGeom prst="rect">
             <a:avLst/>
           </a:prstGeom>
+          <a:noFill/>
+          <a:ln w="0">
+            <a:noFill/>
+          </a:ln>
         </p:spPr>
         <p:txBody>
-          <a:bodyPr lIns="0" rIns="0" tIns="0" bIns="0">
+          <a:bodyPr lIns="0" rIns="0" tIns="0" bIns="0" anchor="t">
             <a:normAutofit/>
           </a:bodyPr>
           <a:p>
@@ -1019,25 +1143,29 @@
       </p:sp>
       <p:sp>
         <p:nvSpPr>
-          <p:cNvPr id="16" name="PlaceHolder 3"/>
+          <p:cNvPr id="13" name="PlaceHolder 3"/>
           <p:cNvSpPr>
             <a:spLocks noGrp="1"/>
           </p:cNvSpPr>
           <p:nvPr>
-            <p:ph type="body"/>
+            <p:ph/>
           </p:nvPr>
         </p:nvSpPr>
         <p:spPr>
           <a:xfrm>
             <a:off x="5152680" y="1326600"/>
-            <a:ext cx="4426920" cy="3288240"/>
+            <a:ext cx="4426920" cy="3288600"/>
           </a:xfrm>
           <a:prstGeom prst="rect">
             <a:avLst/>
           </a:prstGeom>
+          <a:noFill/>
+          <a:ln w="0">
+            <a:noFill/>
+          </a:ln>
         </p:spPr>
         <p:txBody>
-          <a:bodyPr lIns="0" rIns="0" tIns="0" bIns="0">
+          <a:bodyPr lIns="0" rIns="0" tIns="0" bIns="0" anchor="t">
             <a:normAutofit/>
           </a:bodyPr>
           <a:p>
@@ -1049,25 +1177,29 @@
       </p:sp>
       <p:sp>
         <p:nvSpPr>
-          <p:cNvPr id="17" name="PlaceHolder 4"/>
+          <p:cNvPr id="14" name="PlaceHolder 4"/>
           <p:cNvSpPr>
             <a:spLocks noGrp="1"/>
           </p:cNvSpPr>
           <p:nvPr>
-            <p:ph type="body"/>
+            <p:ph/>
           </p:nvPr>
         </p:nvSpPr>
         <p:spPr>
           <a:xfrm>
-            <a:off x="504000" y="3044160"/>
-            <a:ext cx="4426920" cy="1568160"/>
+            <a:off x="504000" y="3044520"/>
+            <a:ext cx="4426920" cy="1568520"/>
           </a:xfrm>
           <a:prstGeom prst="rect">
             <a:avLst/>
           </a:prstGeom>
+          <a:noFill/>
+          <a:ln w="0">
+            <a:noFill/>
+          </a:ln>
         </p:spPr>
         <p:txBody>
-          <a:bodyPr lIns="0" rIns="0" tIns="0" bIns="0">
+          <a:bodyPr lIns="0" rIns="0" tIns="0" bIns="0" anchor="t">
             <a:normAutofit/>
           </a:bodyPr>
           <a:p>
@@ -1101,7 +1233,7 @@
       </p:grpSpPr>
       <p:sp>
         <p:nvSpPr>
-          <p:cNvPr id="18" name="PlaceHolder 1"/>
+          <p:cNvPr id="15" name="PlaceHolder 1"/>
           <p:cNvSpPr>
             <a:spLocks noGrp="1"/>
           </p:cNvSpPr>
@@ -1112,18 +1244,24 @@
         <p:spPr>
           <a:xfrm>
             <a:off x="504000" y="226080"/>
-            <a:ext cx="9071640" cy="946440"/>
+            <a:ext cx="9071280" cy="946080"/>
           </a:xfrm>
           <a:prstGeom prst="rect">
             <a:avLst/>
           </a:prstGeom>
+          <a:noFill/>
+          <a:ln w="0">
+            <a:noFill/>
+          </a:ln>
         </p:spPr>
         <p:txBody>
           <a:bodyPr lIns="0" rIns="0" tIns="0" bIns="0" anchor="ctr">
             <a:noAutofit/>
           </a:bodyPr>
           <a:p>
-            <a:pPr algn="ctr"/>
+            <a:pPr algn="ctr">
+              <a:buNone/>
+            </a:pPr>
             <a:endParaRPr b="0" lang="en-US" sz="4400" spc="-1" strike="noStrike">
               <a:latin typeface="Arial"/>
             </a:endParaRPr>
@@ -1132,25 +1270,29 @@
       </p:sp>
       <p:sp>
         <p:nvSpPr>
-          <p:cNvPr id="19" name="PlaceHolder 2"/>
+          <p:cNvPr id="16" name="PlaceHolder 2"/>
           <p:cNvSpPr>
             <a:spLocks noGrp="1"/>
           </p:cNvSpPr>
           <p:nvPr>
-            <p:ph type="body"/>
+            <p:ph/>
           </p:nvPr>
         </p:nvSpPr>
         <p:spPr>
           <a:xfrm>
             <a:off x="504000" y="1326600"/>
-            <a:ext cx="4426920" cy="3288240"/>
+            <a:ext cx="4426920" cy="3288600"/>
           </a:xfrm>
           <a:prstGeom prst="rect">
             <a:avLst/>
           </a:prstGeom>
+          <a:noFill/>
+          <a:ln w="0">
+            <a:noFill/>
+          </a:ln>
         </p:spPr>
         <p:txBody>
-          <a:bodyPr lIns="0" rIns="0" tIns="0" bIns="0">
+          <a:bodyPr lIns="0" rIns="0" tIns="0" bIns="0" anchor="t">
             <a:normAutofit/>
           </a:bodyPr>
           <a:p>
@@ -1162,25 +1304,29 @@
       </p:sp>
       <p:sp>
         <p:nvSpPr>
-          <p:cNvPr id="20" name="PlaceHolder 3"/>
+          <p:cNvPr id="17" name="PlaceHolder 3"/>
           <p:cNvSpPr>
             <a:spLocks noGrp="1"/>
           </p:cNvSpPr>
           <p:nvPr>
-            <p:ph type="body"/>
+            <p:ph/>
           </p:nvPr>
         </p:nvSpPr>
         <p:spPr>
           <a:xfrm>
             <a:off x="5152680" y="1326600"/>
-            <a:ext cx="4426920" cy="1568160"/>
+            <a:ext cx="4426920" cy="1568520"/>
           </a:xfrm>
           <a:prstGeom prst="rect">
             <a:avLst/>
           </a:prstGeom>
+          <a:noFill/>
+          <a:ln w="0">
+            <a:noFill/>
+          </a:ln>
         </p:spPr>
         <p:txBody>
-          <a:bodyPr lIns="0" rIns="0" tIns="0" bIns="0">
+          <a:bodyPr lIns="0" rIns="0" tIns="0" bIns="0" anchor="t">
             <a:normAutofit/>
           </a:bodyPr>
           <a:p>
@@ -1192,25 +1338,29 @@
       </p:sp>
       <p:sp>
         <p:nvSpPr>
-          <p:cNvPr id="21" name="PlaceHolder 4"/>
+          <p:cNvPr id="18" name="PlaceHolder 4"/>
           <p:cNvSpPr>
             <a:spLocks noGrp="1"/>
           </p:cNvSpPr>
           <p:nvPr>
-            <p:ph type="body"/>
+            <p:ph/>
           </p:nvPr>
         </p:nvSpPr>
         <p:spPr>
           <a:xfrm>
-            <a:off x="5152680" y="3044160"/>
-            <a:ext cx="4426920" cy="1568160"/>
+            <a:off x="5152680" y="3044520"/>
+            <a:ext cx="4426920" cy="1568520"/>
           </a:xfrm>
           <a:prstGeom prst="rect">
             <a:avLst/>
           </a:prstGeom>
+          <a:noFill/>
+          <a:ln w="0">
+            <a:noFill/>
+          </a:ln>
         </p:spPr>
         <p:txBody>
-          <a:bodyPr lIns="0" rIns="0" tIns="0" bIns="0">
+          <a:bodyPr lIns="0" rIns="0" tIns="0" bIns="0" anchor="t">
             <a:normAutofit/>
           </a:bodyPr>
           <a:p>
@@ -1244,7 +1394,7 @@
       </p:grpSpPr>
       <p:sp>
         <p:nvSpPr>
-          <p:cNvPr id="22" name="PlaceHolder 1"/>
+          <p:cNvPr id="19" name="PlaceHolder 1"/>
           <p:cNvSpPr>
             <a:spLocks noGrp="1"/>
           </p:cNvSpPr>
@@ -1255,18 +1405,24 @@
         <p:spPr>
           <a:xfrm>
             <a:off x="504000" y="226080"/>
-            <a:ext cx="9071640" cy="946440"/>
+            <a:ext cx="9071280" cy="946080"/>
           </a:xfrm>
           <a:prstGeom prst="rect">
             <a:avLst/>
           </a:prstGeom>
+          <a:noFill/>
+          <a:ln w="0">
+            <a:noFill/>
+          </a:ln>
         </p:spPr>
         <p:txBody>
           <a:bodyPr lIns="0" rIns="0" tIns="0" bIns="0" anchor="ctr">
             <a:noAutofit/>
           </a:bodyPr>
           <a:p>
-            <a:pPr algn="ctr"/>
+            <a:pPr algn="ctr">
+              <a:buNone/>
+            </a:pPr>
             <a:endParaRPr b="0" lang="en-US" sz="4400" spc="-1" strike="noStrike">
               <a:latin typeface="Arial"/>
             </a:endParaRPr>
@@ -1275,25 +1431,29 @@
       </p:sp>
       <p:sp>
         <p:nvSpPr>
-          <p:cNvPr id="23" name="PlaceHolder 2"/>
+          <p:cNvPr id="20" name="PlaceHolder 2"/>
           <p:cNvSpPr>
             <a:spLocks noGrp="1"/>
           </p:cNvSpPr>
           <p:nvPr>
-            <p:ph type="body"/>
+            <p:ph/>
           </p:nvPr>
         </p:nvSpPr>
         <p:spPr>
           <a:xfrm>
             <a:off x="504000" y="1326600"/>
-            <a:ext cx="4426920" cy="1568160"/>
+            <a:ext cx="4426920" cy="1568520"/>
           </a:xfrm>
           <a:prstGeom prst="rect">
             <a:avLst/>
           </a:prstGeom>
+          <a:noFill/>
+          <a:ln w="0">
+            <a:noFill/>
+          </a:ln>
         </p:spPr>
         <p:txBody>
-          <a:bodyPr lIns="0" rIns="0" tIns="0" bIns="0">
+          <a:bodyPr lIns="0" rIns="0" tIns="0" bIns="0" anchor="t">
             <a:normAutofit/>
           </a:bodyPr>
           <a:p>
@@ -1305,25 +1465,29 @@
       </p:sp>
       <p:sp>
         <p:nvSpPr>
-          <p:cNvPr id="24" name="PlaceHolder 3"/>
+          <p:cNvPr id="21" name="PlaceHolder 3"/>
           <p:cNvSpPr>
             <a:spLocks noGrp="1"/>
           </p:cNvSpPr>
           <p:nvPr>
-            <p:ph type="body"/>
+            <p:ph/>
           </p:nvPr>
         </p:nvSpPr>
         <p:spPr>
           <a:xfrm>
             <a:off x="5152680" y="1326600"/>
-            <a:ext cx="4426920" cy="1568160"/>
+            <a:ext cx="4426920" cy="1568520"/>
           </a:xfrm>
           <a:prstGeom prst="rect">
             <a:avLst/>
           </a:prstGeom>
+          <a:noFill/>
+          <a:ln w="0">
+            <a:noFill/>
+          </a:ln>
         </p:spPr>
         <p:txBody>
-          <a:bodyPr lIns="0" rIns="0" tIns="0" bIns="0">
+          <a:bodyPr lIns="0" rIns="0" tIns="0" bIns="0" anchor="t">
             <a:normAutofit/>
           </a:bodyPr>
           <a:p>
@@ -1335,25 +1499,29 @@
       </p:sp>
       <p:sp>
         <p:nvSpPr>
-          <p:cNvPr id="25" name="PlaceHolder 4"/>
+          <p:cNvPr id="22" name="PlaceHolder 4"/>
           <p:cNvSpPr>
             <a:spLocks noGrp="1"/>
           </p:cNvSpPr>
           <p:nvPr>
-            <p:ph type="body"/>
+            <p:ph/>
           </p:nvPr>
         </p:nvSpPr>
         <p:spPr>
           <a:xfrm>
-            <a:off x="504000" y="3044160"/>
-            <a:ext cx="9071640" cy="1568160"/>
+            <a:off x="504000" y="3044520"/>
+            <a:ext cx="9072000" cy="1568520"/>
           </a:xfrm>
           <a:prstGeom prst="rect">
             <a:avLst/>
           </a:prstGeom>
+          <a:noFill/>
+          <a:ln w="0">
+            <a:noFill/>
+          </a:ln>
         </p:spPr>
         <p:txBody>
-          <a:bodyPr lIns="0" rIns="0" tIns="0" bIns="0">
+          <a:bodyPr lIns="0" rIns="0" tIns="0" bIns="0" anchor="t">
             <a:normAutofit/>
           </a:bodyPr>
           <a:p>
@@ -1398,25 +1566,28 @@
         <p:spPr>
           <a:xfrm>
             <a:off x="504000" y="226080"/>
-            <a:ext cx="9071640" cy="946440"/>
+            <a:ext cx="9071280" cy="946080"/>
           </a:xfrm>
           <a:prstGeom prst="rect">
             <a:avLst/>
           </a:prstGeom>
+          <a:noFill/>
+          <a:ln w="0">
+            <a:noFill/>
+          </a:ln>
         </p:spPr>
         <p:txBody>
           <a:bodyPr lIns="0" rIns="0" tIns="0" bIns="0" anchor="ctr">
             <a:noAutofit/>
           </a:bodyPr>
           <a:p>
-            <a:pPr algn="ctr"/>
             <a:r>
-              <a:rPr b="0" lang="en-US" sz="4400" spc="-1" strike="noStrike">
+              <a:rPr b="0" lang="en-US" sz="1800" spc="-1" strike="noStrike">
                 <a:latin typeface="Arial"/>
               </a:rPr>
               <a:t>Click to edit the title text format</a:t>
             </a:r>
-            <a:endParaRPr b="0" lang="en-US" sz="4400" spc="-1" strike="noStrike">
+            <a:endParaRPr b="0" lang="en-US" sz="1800" spc="-1" strike="noStrike">
               <a:latin typeface="Arial"/>
             </a:endParaRPr>
           </a:p>
@@ -1435,14 +1606,18 @@
         <p:spPr>
           <a:xfrm>
             <a:off x="504000" y="1326600"/>
-            <a:ext cx="9071640" cy="3288240"/>
+            <a:ext cx="9072000" cy="3288600"/>
           </a:xfrm>
           <a:prstGeom prst="rect">
             <a:avLst/>
           </a:prstGeom>
+          <a:noFill/>
+          <a:ln w="0">
+            <a:noFill/>
+          </a:ln>
         </p:spPr>
         <p:txBody>
-          <a:bodyPr lIns="0" rIns="0" tIns="0" bIns="0">
+          <a:bodyPr lIns="0" rIns="0" tIns="0" bIns="0" anchor="t">
             <a:normAutofit/>
           </a:bodyPr>
           <a:p>
@@ -1597,116 +1772,6 @@
             </a:r>
             <a:endParaRPr b="0" lang="en-US" sz="2000" spc="-1" strike="noStrike">
               <a:latin typeface="Arial"/>
-            </a:endParaRPr>
-          </a:p>
-        </p:txBody>
-      </p:sp>
-      <p:sp>
-        <p:nvSpPr>
-          <p:cNvPr id="2" name="PlaceHolder 3"/>
-          <p:cNvSpPr>
-            <a:spLocks noGrp="1"/>
-          </p:cNvSpPr>
-          <p:nvPr>
-            <p:ph type="dt"/>
-          </p:nvPr>
-        </p:nvSpPr>
-        <p:spPr>
-          <a:xfrm>
-            <a:off x="504000" y="5165280"/>
-            <a:ext cx="2348280" cy="390600"/>
-          </a:xfrm>
-          <a:prstGeom prst="rect">
-            <a:avLst/>
-          </a:prstGeom>
-        </p:spPr>
-        <p:txBody>
-          <a:bodyPr lIns="0" rIns="0" tIns="0" bIns="0">
-            <a:noAutofit/>
-          </a:bodyPr>
-          <a:p>
-            <a:r>
-              <a:rPr b="0" lang="en-US" sz="1400" spc="-1" strike="noStrike">
-                <a:latin typeface="Times New Roman"/>
-              </a:rPr>
-              <a:t>&lt;date/time&gt;</a:t>
-            </a:r>
-            <a:endParaRPr b="0" lang="en-US" sz="1400" spc="-1" strike="noStrike">
-              <a:latin typeface="Times New Roman"/>
-            </a:endParaRPr>
-          </a:p>
-        </p:txBody>
-      </p:sp>
-      <p:sp>
-        <p:nvSpPr>
-          <p:cNvPr id="3" name="PlaceHolder 4"/>
-          <p:cNvSpPr>
-            <a:spLocks noGrp="1"/>
-          </p:cNvSpPr>
-          <p:nvPr>
-            <p:ph type="ftr"/>
-          </p:nvPr>
-        </p:nvSpPr>
-        <p:spPr>
-          <a:xfrm>
-            <a:off x="3447360" y="5165280"/>
-            <a:ext cx="3195000" cy="390600"/>
-          </a:xfrm>
-          <a:prstGeom prst="rect">
-            <a:avLst/>
-          </a:prstGeom>
-        </p:spPr>
-        <p:txBody>
-          <a:bodyPr lIns="0" rIns="0" tIns="0" bIns="0">
-            <a:noAutofit/>
-          </a:bodyPr>
-          <a:p>
-            <a:pPr algn="ctr"/>
-            <a:r>
-              <a:rPr b="0" lang="en-US" sz="1400" spc="-1" strike="noStrike">
-                <a:latin typeface="Times New Roman"/>
-              </a:rPr>
-              <a:t>&lt;footer&gt;</a:t>
-            </a:r>
-            <a:endParaRPr b="0" lang="en-US" sz="1400" spc="-1" strike="noStrike">
-              <a:latin typeface="Times New Roman"/>
-            </a:endParaRPr>
-          </a:p>
-        </p:txBody>
-      </p:sp>
-      <p:sp>
-        <p:nvSpPr>
-          <p:cNvPr id="4" name="PlaceHolder 5"/>
-          <p:cNvSpPr>
-            <a:spLocks noGrp="1"/>
-          </p:cNvSpPr>
-          <p:nvPr>
-            <p:ph type="sldNum"/>
-          </p:nvPr>
-        </p:nvSpPr>
-        <p:spPr>
-          <a:xfrm>
-            <a:off x="7227360" y="5165280"/>
-            <a:ext cx="2348280" cy="390600"/>
-          </a:xfrm>
-          <a:prstGeom prst="rect">
-            <a:avLst/>
-          </a:prstGeom>
-        </p:spPr>
-        <p:txBody>
-          <a:bodyPr lIns="0" rIns="0" tIns="0" bIns="0">
-            <a:noAutofit/>
-          </a:bodyPr>
-          <a:p>
-            <a:pPr algn="r"/>
-            <a:fld id="{F4114ABD-976E-45D7-8143-176B797B1713}" type="slidenum">
-              <a:rPr b="0" lang="en-US" sz="1400" spc="-1" strike="noStrike">
-                <a:latin typeface="Times New Roman"/>
-              </a:rPr>
-              <a:t>&lt;number&gt;</a:t>
-            </a:fld>
-            <a:endParaRPr b="0" lang="en-US" sz="1400" spc="-1" strike="noStrike">
-              <a:latin typeface="Times New Roman"/>
             </a:endParaRPr>
           </a:p>
         </p:txBody>
@@ -1750,7 +1815,7 @@
       </p:grpSpPr>
       <p:graphicFrame>
         <p:nvGraphicFramePr>
-          <p:cNvPr id="41" name="Table 1"/>
+          <p:cNvPr id="38" name="Table 1"/>
           <p:cNvGraphicFramePr/>
           <p:nvPr/>
         </p:nvGraphicFramePr>
@@ -1771,7 +1836,7 @@
               </a:tblGrid>
               <a:tr h="349920">
                 <a:tc>
-                  <a:tcPr marL="90000" marR="90000">
+                  <a:tcPr anchor="t" marL="90000" marR="90000">
                     <a:lnL w="720">
                       <a:solidFill>
                         <a:srgbClr val="ffffff"/>
@@ -1799,10 +1864,16 @@
                 </a:tc>
                 <a:tc gridSpan="2">
                   <a:txBody>
-                    <a:bodyPr lIns="90000" rIns="90000" tIns="46800" bIns="46800">
+                    <a:bodyPr lIns="90000" rIns="90000" anchor="t">
                       <a:noAutofit/>
                     </a:bodyPr>
                     <a:p>
+                      <a:pPr>
+                        <a:lnSpc>
+                          <a:spcPct val="100000"/>
+                        </a:lnSpc>
+                        <a:buNone/>
+                      </a:pPr>
                       <a:r>
                         <a:rPr b="0" lang="en-US" sz="1800" spc="-1" strike="noStrike">
                           <a:latin typeface="Arial"/>
@@ -1814,7 +1885,7 @@
                       </a:endParaRPr>
                     </a:p>
                   </a:txBody>
-                  <a:tcPr marL="90000" marR="90000">
+                  <a:tcPr anchor="t" marL="90000" marR="90000">
                     <a:lnL w="720">
                       <a:solidFill>
                         <a:srgbClr val="ffffff"/>
@@ -1841,38 +1912,36 @@
                   </a:tcPr>
                 </a:tc>
                 <a:tc hMerge="1">
-                  <a:tcPr marL="90000" marR="90000">
-                    <a:lnL w="720">
-                      <a:solidFill>
-                        <a:srgbClr val="ffffff"/>
-                      </a:solidFill>
+                  <a:tcPr anchor="t" marL="90000" marR="90000">
+                    <a:lnL>
+                      <a:noFill/>
                     </a:lnL>
-                    <a:lnR w="720">
-                      <a:solidFill>
-                        <a:srgbClr val="ffffff"/>
-                      </a:solidFill>
+                    <a:lnR>
+                      <a:noFill/>
                     </a:lnR>
-                    <a:lnT w="720">
-                      <a:solidFill>
-                        <a:srgbClr val="ffffff"/>
-                      </a:solidFill>
+                    <a:lnT>
+                      <a:noFill/>
                     </a:lnT>
-                    <a:lnB w="720">
-                      <a:solidFill>
-                        <a:srgbClr val="ffffff"/>
-                      </a:solidFill>
+                    <a:lnB>
+                      <a:noFill/>
                     </a:lnB>
                     <a:solidFill>
-                      <a:srgbClr val="b3b3b3"/>
+                      <a:srgbClr val="729fcf"/>
                     </a:solidFill>
                   </a:tcPr>
                 </a:tc>
                 <a:tc gridSpan="2">
                   <a:txBody>
-                    <a:bodyPr lIns="90000" rIns="90000" tIns="46800" bIns="46800">
+                    <a:bodyPr lIns="90000" rIns="90000" anchor="t">
                       <a:noAutofit/>
                     </a:bodyPr>
                     <a:p>
+                      <a:pPr>
+                        <a:lnSpc>
+                          <a:spcPct val="100000"/>
+                        </a:lnSpc>
+                        <a:buNone/>
+                      </a:pPr>
                       <a:r>
                         <a:rPr b="0" lang="en-US" sz="1800" spc="-1" strike="noStrike">
                           <a:latin typeface="Arial"/>
@@ -1884,7 +1953,7 @@
                       </a:endParaRPr>
                     </a:p>
                   </a:txBody>
-                  <a:tcPr marL="90000" marR="90000">
+                  <a:tcPr anchor="t" marL="90000" marR="90000">
                     <a:lnL w="720">
                       <a:solidFill>
                         <a:srgbClr val="ffffff"/>
@@ -1911,36 +1980,28 @@
                   </a:tcPr>
                 </a:tc>
                 <a:tc hMerge="1">
-                  <a:tcPr marL="90000" marR="90000">
-                    <a:lnL w="720">
-                      <a:solidFill>
-                        <a:srgbClr val="ffffff"/>
-                      </a:solidFill>
+                  <a:tcPr anchor="t" marL="90000" marR="90000">
+                    <a:lnL>
+                      <a:noFill/>
                     </a:lnL>
-                    <a:lnR w="720">
-                      <a:solidFill>
-                        <a:srgbClr val="ffffff"/>
-                      </a:solidFill>
+                    <a:lnR>
+                      <a:noFill/>
                     </a:lnR>
-                    <a:lnT w="720">
-                      <a:solidFill>
-                        <a:srgbClr val="ffffff"/>
-                      </a:solidFill>
+                    <a:lnT>
+                      <a:noFill/>
                     </a:lnT>
-                    <a:lnB w="720">
-                      <a:solidFill>
-                        <a:srgbClr val="ffffff"/>
-                      </a:solidFill>
+                    <a:lnB>
+                      <a:noFill/>
                     </a:lnB>
                     <a:solidFill>
-                      <a:srgbClr val="b3b3b3"/>
+                      <a:srgbClr val="729fcf"/>
                     </a:solidFill>
                   </a:tcPr>
                 </a:tc>
               </a:tr>
               <a:tr h="349920">
                 <a:tc>
-                  <a:tcPr marL="90000" marR="90000">
+                  <a:tcPr anchor="t" marL="90000" marR="90000">
                     <a:lnL w="720">
                       <a:solidFill>
                         <a:srgbClr val="ffffff"/>
@@ -1968,10 +2029,16 @@
                 </a:tc>
                 <a:tc>
                   <a:txBody>
-                    <a:bodyPr lIns="90000" rIns="90000" tIns="46800" bIns="46800">
+                    <a:bodyPr lIns="90000" rIns="90000" anchor="t">
                       <a:noAutofit/>
                     </a:bodyPr>
                     <a:p>
+                      <a:pPr>
+                        <a:lnSpc>
+                          <a:spcPct val="100000"/>
+                        </a:lnSpc>
+                        <a:buNone/>
+                      </a:pPr>
                       <a:r>
                         <a:rPr b="0" lang="en-US" sz="1800" spc="-1" strike="noStrike">
                           <a:latin typeface="Arial"/>
@@ -1983,7 +2050,7 @@
                       </a:endParaRPr>
                     </a:p>
                   </a:txBody>
-                  <a:tcPr marL="90000" marR="90000">
+                  <a:tcPr anchor="t" marL="90000" marR="90000">
                     <a:lnL w="720">
                       <a:solidFill>
                         <a:srgbClr val="ffffff"/>
@@ -2011,10 +2078,16 @@
                 </a:tc>
                 <a:tc>
                   <a:txBody>
-                    <a:bodyPr lIns="90000" rIns="90000" tIns="46800" bIns="46800">
+                    <a:bodyPr lIns="90000" rIns="90000" anchor="t">
                       <a:noAutofit/>
                     </a:bodyPr>
                     <a:p>
+                      <a:pPr>
+                        <a:lnSpc>
+                          <a:spcPct val="100000"/>
+                        </a:lnSpc>
+                        <a:buNone/>
+                      </a:pPr>
                       <a:r>
                         <a:rPr b="0" lang="en-US" sz="1800" spc="-1" strike="noStrike">
                           <a:latin typeface="Arial"/>
@@ -2026,7 +2099,7 @@
                       </a:endParaRPr>
                     </a:p>
                   </a:txBody>
-                  <a:tcPr marL="90000" marR="90000">
+                  <a:tcPr anchor="t" marL="90000" marR="90000">
                     <a:lnL w="720">
                       <a:solidFill>
                         <a:srgbClr val="ffffff"/>
@@ -2054,10 +2127,16 @@
                 </a:tc>
                 <a:tc>
                   <a:txBody>
-                    <a:bodyPr lIns="90000" rIns="90000" tIns="46800" bIns="46800">
+                    <a:bodyPr lIns="90000" rIns="90000" anchor="t">
                       <a:noAutofit/>
                     </a:bodyPr>
                     <a:p>
+                      <a:pPr>
+                        <a:lnSpc>
+                          <a:spcPct val="100000"/>
+                        </a:lnSpc>
+                        <a:buNone/>
+                      </a:pPr>
                       <a:r>
                         <a:rPr b="0" lang="en-US" sz="1800" spc="-1" strike="noStrike">
                           <a:latin typeface="Arial"/>
@@ -2069,7 +2148,7 @@
                       </a:endParaRPr>
                     </a:p>
                   </a:txBody>
-                  <a:tcPr marL="90000" marR="90000">
+                  <a:tcPr anchor="t" marL="90000" marR="90000">
                     <a:lnL w="720">
                       <a:solidFill>
                         <a:srgbClr val="ffffff"/>
@@ -2097,10 +2176,16 @@
                 </a:tc>
                 <a:tc>
                   <a:txBody>
-                    <a:bodyPr lIns="90000" rIns="90000" tIns="46800" bIns="46800">
+                    <a:bodyPr lIns="90000" rIns="90000" anchor="t">
                       <a:noAutofit/>
                     </a:bodyPr>
                     <a:p>
+                      <a:pPr>
+                        <a:lnSpc>
+                          <a:spcPct val="100000"/>
+                        </a:lnSpc>
+                        <a:buNone/>
+                      </a:pPr>
                       <a:r>
                         <a:rPr b="0" lang="en-US" sz="1800" spc="-1" strike="noStrike">
                           <a:latin typeface="Arial"/>
@@ -2112,7 +2197,7 @@
                       </a:endParaRPr>
                     </a:p>
                   </a:txBody>
-                  <a:tcPr marL="90000" marR="90000">
+                  <a:tcPr anchor="t" marL="90000" marR="90000">
                     <a:lnL w="720">
                       <a:solidFill>
                         <a:srgbClr val="ffffff"/>
@@ -2142,10 +2227,16 @@
               <a:tr h="349920">
                 <a:tc>
                   <a:txBody>
-                    <a:bodyPr lIns="90000" rIns="90000" tIns="46800" bIns="46800">
+                    <a:bodyPr lIns="90000" rIns="90000" anchor="t">
                       <a:noAutofit/>
                     </a:bodyPr>
                     <a:p>
+                      <a:pPr>
+                        <a:lnSpc>
+                          <a:spcPct val="100000"/>
+                        </a:lnSpc>
+                        <a:buNone/>
+                      </a:pPr>
                       <a:r>
                         <a:rPr b="0" lang="en-US" sz="1800" spc="-1" strike="noStrike">
                           <a:latin typeface="Arial"/>
@@ -2157,7 +2248,7 @@
                       </a:endParaRPr>
                     </a:p>
                   </a:txBody>
-                  <a:tcPr marL="90000" marR="90000">
+                  <a:tcPr anchor="t" marL="90000" marR="90000">
                     <a:lnL w="720">
                       <a:solidFill>
                         <a:srgbClr val="ffffff"/>
@@ -2185,22 +2276,32 @@
                 </a:tc>
                 <a:tc>
                   <a:txBody>
-                    <a:bodyPr lIns="90000" rIns="90000" tIns="46800" bIns="46800">
+                    <a:bodyPr lIns="90000" rIns="90000" anchor="t">
                       <a:noAutofit/>
                     </a:bodyPr>
                     <a:p>
+                      <a:pPr algn="ctr">
+                        <a:lnSpc>
+                          <a:spcPct val="100000"/>
+                        </a:lnSpc>
+                        <a:buNone/>
+                      </a:pPr>
                       <a:r>
                         <a:rPr b="0" lang="en-US" sz="1800" spc="-1" strike="noStrike">
+                          <a:solidFill>
+                            <a:srgbClr val="000000"/>
+                          </a:solidFill>
                           <a:latin typeface="Arial"/>
+                          <a:ea typeface="DejaVu Sans"/>
                         </a:rPr>
-                        <a:t>?</a:t>
+                        <a:t>ae:b8</a:t>
                       </a:r>
                       <a:endParaRPr b="0" lang="en-US" sz="1800" spc="-1" strike="noStrike">
                         <a:latin typeface="Arial"/>
                       </a:endParaRPr>
                     </a:p>
                   </a:txBody>
-                  <a:tcPr marL="90000" marR="90000">
+                  <a:tcPr anchor="t" marL="90000" marR="90000">
                     <a:lnL w="720">
                       <a:solidFill>
                         <a:srgbClr val="ffffff"/>
@@ -2228,7 +2329,7 @@
                 </a:tc>
                 <a:tc>
                   <a:txBody>
-                    <a:bodyPr lIns="90000" rIns="90000" tIns="46800" bIns="46800">
+                    <a:bodyPr lIns="90000" rIns="90000" anchor="t">
                       <a:noAutofit/>
                     </a:bodyPr>
                     <a:p>
@@ -2236,19 +2337,20 @@
                         <a:lnSpc>
                           <a:spcPct val="100000"/>
                         </a:lnSpc>
+                        <a:buNone/>
                       </a:pPr>
                       <a:r>
                         <a:rPr b="0" lang="en-US" sz="1800" spc="-1" strike="noStrike">
                           <a:latin typeface="Arial"/>
                         </a:rPr>
-                        <a:t>?</a:t>
+                        <a:t>6e:98</a:t>
                       </a:r>
                       <a:endParaRPr b="0" lang="en-US" sz="1800" spc="-1" strike="noStrike">
                         <a:latin typeface="Arial"/>
                       </a:endParaRPr>
                     </a:p>
                   </a:txBody>
-                  <a:tcPr marL="90000" marR="90000">
+                  <a:tcPr anchor="t" marL="90000" marR="90000">
                     <a:lnL w="720">
                       <a:solidFill>
                         <a:srgbClr val="ffffff"/>
@@ -2276,7 +2378,7 @@
                 </a:tc>
                 <a:tc>
                   <a:txBody>
-                    <a:bodyPr lIns="90000" rIns="90000" tIns="46800" bIns="46800">
+                    <a:bodyPr lIns="90000" rIns="90000" anchor="t">
                       <a:noAutofit/>
                     </a:bodyPr>
                     <a:p>
@@ -2284,19 +2386,20 @@
                         <a:lnSpc>
                           <a:spcPct val="100000"/>
                         </a:lnSpc>
+                        <a:buNone/>
                       </a:pPr>
                       <a:r>
                         <a:rPr b="0" lang="en-US" sz="1800" spc="-1" strike="noStrike">
                           <a:latin typeface="Arial"/>
                         </a:rPr>
-                        <a:t>?</a:t>
+                        <a:t>89.203</a:t>
                       </a:r>
                       <a:endParaRPr b="0" lang="en-US" sz="1800" spc="-1" strike="noStrike">
                         <a:latin typeface="Arial"/>
                       </a:endParaRPr>
                     </a:p>
                   </a:txBody>
-                  <a:tcPr marL="90000" marR="90000">
+                  <a:tcPr anchor="t" marL="90000" marR="90000">
                     <a:lnL w="720">
                       <a:solidFill>
                         <a:srgbClr val="ffffff"/>
@@ -2324,7 +2427,7 @@
                 </a:tc>
                 <a:tc>
                   <a:txBody>
-                    <a:bodyPr lIns="90000" rIns="90000" tIns="46800" bIns="46800">
+                    <a:bodyPr lIns="90000" rIns="90000" anchor="t">
                       <a:noAutofit/>
                     </a:bodyPr>
                     <a:p>
@@ -2332,19 +2435,20 @@
                         <a:lnSpc>
                           <a:spcPct val="100000"/>
                         </a:lnSpc>
+                        <a:buNone/>
                       </a:pPr>
                       <a:r>
                         <a:rPr b="0" lang="en-US" sz="1800" spc="-1" strike="noStrike">
                           <a:latin typeface="Arial"/>
                         </a:rPr>
-                        <a:t>?</a:t>
+                        <a:t>8.8.8.8</a:t>
                       </a:r>
                       <a:endParaRPr b="0" lang="en-US" sz="1800" spc="-1" strike="noStrike">
                         <a:latin typeface="Arial"/>
                       </a:endParaRPr>
                     </a:p>
                   </a:txBody>
-                  <a:tcPr marL="90000" marR="90000">
+                  <a:tcPr anchor="t" marL="90000" marR="90000">
                     <a:lnL w="720">
                       <a:solidFill>
                         <a:srgbClr val="ffffff"/>
@@ -2374,10 +2478,16 @@
               <a:tr h="349920">
                 <a:tc>
                   <a:txBody>
-                    <a:bodyPr lIns="90000" rIns="90000" tIns="46800" bIns="46800">
+                    <a:bodyPr lIns="90000" rIns="90000" anchor="t">
                       <a:noAutofit/>
                     </a:bodyPr>
                     <a:p>
+                      <a:pPr>
+                        <a:lnSpc>
+                          <a:spcPct val="100000"/>
+                        </a:lnSpc>
+                        <a:buNone/>
+                      </a:pPr>
                       <a:r>
                         <a:rPr b="0" lang="en-US" sz="1800" spc="-1" strike="noStrike">
                           <a:latin typeface="Arial"/>
@@ -2389,7 +2499,7 @@
                       </a:endParaRPr>
                     </a:p>
                   </a:txBody>
-                  <a:tcPr marL="90000" marR="90000">
+                  <a:tcPr anchor="t" marL="90000" marR="90000">
                     <a:lnL w="720">
                       <a:solidFill>
                         <a:srgbClr val="ffffff"/>
@@ -2417,7 +2527,7 @@
                 </a:tc>
                 <a:tc>
                   <a:txBody>
-                    <a:bodyPr lIns="90000" rIns="90000" tIns="46800" bIns="46800">
+                    <a:bodyPr lIns="90000" rIns="90000" anchor="t">
                       <a:noAutofit/>
                     </a:bodyPr>
                     <a:p>
@@ -2425,19 +2535,20 @@
                         <a:lnSpc>
                           <a:spcPct val="100000"/>
                         </a:lnSpc>
+                        <a:buNone/>
                       </a:pPr>
                       <a:r>
                         <a:rPr b="0" lang="en-US" sz="1800" spc="-1" strike="noStrike">
                           <a:latin typeface="Arial"/>
                         </a:rPr>
-                        <a:t>?</a:t>
+                        <a:t>6e:98</a:t>
                       </a:r>
                       <a:endParaRPr b="0" lang="en-US" sz="1800" spc="-1" strike="noStrike">
                         <a:latin typeface="Arial"/>
                       </a:endParaRPr>
                     </a:p>
                   </a:txBody>
-                  <a:tcPr marL="90000" marR="90000">
+                  <a:tcPr anchor="t" marL="90000" marR="90000">
                     <a:lnL w="720">
                       <a:solidFill>
                         <a:srgbClr val="ffffff"/>
@@ -2465,7 +2576,7 @@
                 </a:tc>
                 <a:tc>
                   <a:txBody>
-                    <a:bodyPr lIns="90000" rIns="90000" tIns="46800" bIns="46800">
+                    <a:bodyPr lIns="90000" rIns="90000" anchor="t">
                       <a:noAutofit/>
                     </a:bodyPr>
                     <a:p>
@@ -2473,19 +2584,20 @@
                         <a:lnSpc>
                           <a:spcPct val="100000"/>
                         </a:lnSpc>
+                        <a:buNone/>
                       </a:pPr>
                       <a:r>
                         <a:rPr b="0" lang="en-US" sz="1800" spc="-1" strike="noStrike">
                           <a:latin typeface="Arial"/>
                         </a:rPr>
-                        <a:t>?</a:t>
+                        <a:t>ae:b8</a:t>
                       </a:r>
                       <a:endParaRPr b="0" lang="en-US" sz="1800" spc="-1" strike="noStrike">
                         <a:latin typeface="Arial"/>
                       </a:endParaRPr>
                     </a:p>
                   </a:txBody>
-                  <a:tcPr marL="90000" marR="90000">
+                  <a:tcPr anchor="t" marL="90000" marR="90000">
                     <a:lnL w="720">
                       <a:solidFill>
                         <a:srgbClr val="ffffff"/>
@@ -2513,7 +2625,7 @@
                 </a:tc>
                 <a:tc>
                   <a:txBody>
-                    <a:bodyPr lIns="90000" rIns="90000" tIns="46800" bIns="46800">
+                    <a:bodyPr lIns="90000" rIns="90000" anchor="t">
                       <a:noAutofit/>
                     </a:bodyPr>
                     <a:p>
@@ -2521,19 +2633,20 @@
                         <a:lnSpc>
                           <a:spcPct val="100000"/>
                         </a:lnSpc>
+                        <a:buNone/>
                       </a:pPr>
                       <a:r>
                         <a:rPr b="0" lang="en-US" sz="1800" spc="-1" strike="noStrike">
                           <a:latin typeface="Arial"/>
                         </a:rPr>
-                        <a:t>?</a:t>
+                        <a:t>8.8.8.8</a:t>
                       </a:r>
                       <a:endParaRPr b="0" lang="en-US" sz="1800" spc="-1" strike="noStrike">
                         <a:latin typeface="Arial"/>
                       </a:endParaRPr>
                     </a:p>
                   </a:txBody>
-                  <a:tcPr marL="90000" marR="90000">
+                  <a:tcPr anchor="t" marL="90000" marR="90000">
                     <a:lnL w="720">
                       <a:solidFill>
                         <a:srgbClr val="ffffff"/>
@@ -2561,7 +2674,7 @@
                 </a:tc>
                 <a:tc>
                   <a:txBody>
-                    <a:bodyPr lIns="90000" rIns="90000" tIns="46800" bIns="46800">
+                    <a:bodyPr lIns="90000" rIns="90000" anchor="t">
                       <a:noAutofit/>
                     </a:bodyPr>
                     <a:p>
@@ -2569,19 +2682,20 @@
                         <a:lnSpc>
                           <a:spcPct val="100000"/>
                         </a:lnSpc>
+                        <a:buNone/>
                       </a:pPr>
                       <a:r>
                         <a:rPr b="0" lang="en-US" sz="1800" spc="-1" strike="noStrike">
                           <a:latin typeface="Arial"/>
                         </a:rPr>
-                        <a:t>?</a:t>
+                        <a:t>89.203</a:t>
                       </a:r>
                       <a:endParaRPr b="0" lang="en-US" sz="1800" spc="-1" strike="noStrike">
                         <a:latin typeface="Arial"/>
                       </a:endParaRPr>
                     </a:p>
                   </a:txBody>
-                  <a:tcPr marL="90000" marR="90000">
+                  <a:tcPr anchor="t" marL="90000" marR="90000">
                     <a:lnL w="720">
                       <a:solidFill>
                         <a:srgbClr val="ffffff"/>
@@ -2614,13 +2728,13 @@
       </p:graphicFrame>
       <p:graphicFrame>
         <p:nvGraphicFramePr>
-          <p:cNvPr id="42" name="Table 2"/>
+          <p:cNvPr id="39" name="Table 2"/>
           <p:cNvGraphicFramePr/>
           <p:nvPr/>
         </p:nvGraphicFramePr>
         <p:xfrm>
           <a:off x="3750120" y="4147200"/>
-          <a:ext cx="6177240" cy="1399320"/>
+          <a:ext cx="6177240" cy="1017360"/>
         </p:xfrm>
         <a:graphic>
           <a:graphicData uri="http://schemas.openxmlformats.org/drawingml/2006/table">
@@ -2637,7 +2751,7 @@
               </a:tblGrid>
               <a:tr h="304560">
                 <a:tc>
-                  <a:tcPr marL="90000" marR="90000">
+                  <a:tcPr anchor="t" marL="90000" marR="90000">
                     <a:lnL w="720">
                       <a:solidFill>
                         <a:srgbClr val="ffffff"/>
@@ -2665,10 +2779,16 @@
                 </a:tc>
                 <a:tc gridSpan="2">
                   <a:txBody>
-                    <a:bodyPr lIns="90000" rIns="90000" tIns="46800" bIns="46800">
+                    <a:bodyPr lIns="90000" rIns="90000" anchor="t">
                       <a:noAutofit/>
                     </a:bodyPr>
                     <a:p>
+                      <a:pPr>
+                        <a:lnSpc>
+                          <a:spcPct val="100000"/>
+                        </a:lnSpc>
+                        <a:buNone/>
+                      </a:pPr>
                       <a:r>
                         <a:rPr b="0" lang="en-US" sz="1800" spc="-1" strike="noStrike">
                           <a:latin typeface="Arial"/>
@@ -2680,7 +2800,7 @@
                       </a:endParaRPr>
                     </a:p>
                   </a:txBody>
-                  <a:tcPr marL="90000" marR="90000">
+                  <a:tcPr anchor="t" marL="90000" marR="90000">
                     <a:lnL w="720">
                       <a:solidFill>
                         <a:srgbClr val="ffffff"/>
@@ -2707,38 +2827,36 @@
                   </a:tcPr>
                 </a:tc>
                 <a:tc hMerge="1">
-                  <a:tcPr marL="90000" marR="90000">
-                    <a:lnL w="720">
-                      <a:solidFill>
-                        <a:srgbClr val="ffffff"/>
-                      </a:solidFill>
+                  <a:tcPr anchor="t" marL="90000" marR="90000">
+                    <a:lnL>
+                      <a:noFill/>
                     </a:lnL>
-                    <a:lnR w="720">
-                      <a:solidFill>
-                        <a:srgbClr val="ffffff"/>
-                      </a:solidFill>
+                    <a:lnR>
+                      <a:noFill/>
                     </a:lnR>
-                    <a:lnT w="720">
-                      <a:solidFill>
-                        <a:srgbClr val="ffffff"/>
-                      </a:solidFill>
+                    <a:lnT>
+                      <a:noFill/>
                     </a:lnT>
-                    <a:lnB w="720">
-                      <a:solidFill>
-                        <a:srgbClr val="ffffff"/>
-                      </a:solidFill>
+                    <a:lnB>
+                      <a:noFill/>
                     </a:lnB>
                     <a:solidFill>
-                      <a:srgbClr val="b3b3b3"/>
+                      <a:srgbClr val="729fcf"/>
                     </a:solidFill>
                   </a:tcPr>
                 </a:tc>
                 <a:tc gridSpan="4">
                   <a:txBody>
-                    <a:bodyPr lIns="90000" rIns="90000" tIns="46800" bIns="46800">
+                    <a:bodyPr lIns="90000" rIns="90000" anchor="t">
                       <a:noAutofit/>
                     </a:bodyPr>
                     <a:p>
+                      <a:pPr>
+                        <a:lnSpc>
+                          <a:spcPct val="100000"/>
+                        </a:lnSpc>
+                        <a:buNone/>
+                      </a:pPr>
                       <a:r>
                         <a:rPr b="0" lang="en-US" sz="1800" spc="-1" strike="noStrike">
                           <a:latin typeface="Arial"/>
@@ -2750,7 +2868,7 @@
                       </a:endParaRPr>
                     </a:p>
                   </a:txBody>
-                  <a:tcPr marL="90000" marR="90000">
+                  <a:tcPr anchor="t" marL="90000" marR="90000">
                     <a:lnL w="720">
                       <a:solidFill>
                         <a:srgbClr val="ffffff"/>
@@ -2777,90 +2895,66 @@
                   </a:tcPr>
                 </a:tc>
                 <a:tc hMerge="1">
-                  <a:tcPr marL="90000" marR="90000">
-                    <a:lnL w="720">
-                      <a:solidFill>
-                        <a:srgbClr val="ffffff"/>
-                      </a:solidFill>
+                  <a:tcPr anchor="t" marL="90000" marR="90000">
+                    <a:lnL>
+                      <a:noFill/>
                     </a:lnL>
-                    <a:lnR w="720">
-                      <a:solidFill>
-                        <a:srgbClr val="ffffff"/>
-                      </a:solidFill>
+                    <a:lnR>
+                      <a:noFill/>
                     </a:lnR>
-                    <a:lnT w="720">
-                      <a:solidFill>
-                        <a:srgbClr val="ffffff"/>
-                      </a:solidFill>
+                    <a:lnT>
+                      <a:noFill/>
                     </a:lnT>
-                    <a:lnB w="720">
-                      <a:solidFill>
-                        <a:srgbClr val="ffffff"/>
-                      </a:solidFill>
+                    <a:lnB>
+                      <a:noFill/>
                     </a:lnB>
                     <a:solidFill>
-                      <a:srgbClr val="b3b3b3"/>
+                      <a:srgbClr val="729fcf"/>
                     </a:solidFill>
                   </a:tcPr>
                 </a:tc>
                 <a:tc hMerge="1">
-                  <a:tcPr marL="90000" marR="90000">
-                    <a:lnL w="720">
-                      <a:solidFill>
-                        <a:srgbClr val="ffffff"/>
-                      </a:solidFill>
+                  <a:tcPr anchor="t" marL="90000" marR="90000">
+                    <a:lnL>
+                      <a:noFill/>
                     </a:lnL>
-                    <a:lnR w="720">
-                      <a:solidFill>
-                        <a:srgbClr val="ffffff"/>
-                      </a:solidFill>
+                    <a:lnR>
+                      <a:noFill/>
                     </a:lnR>
-                    <a:lnT w="720">
-                      <a:solidFill>
-                        <a:srgbClr val="ffffff"/>
-                      </a:solidFill>
+                    <a:lnT>
+                      <a:noFill/>
                     </a:lnT>
-                    <a:lnB w="720">
-                      <a:solidFill>
-                        <a:srgbClr val="ffffff"/>
-                      </a:solidFill>
+                    <a:lnB>
+                      <a:noFill/>
                     </a:lnB>
                     <a:solidFill>
-                      <a:srgbClr val="b3b3b3"/>
+                      <a:srgbClr val="729fcf"/>
                     </a:solidFill>
                   </a:tcPr>
                 </a:tc>
                 <a:tc hMerge="1">
-                  <a:tcPr marL="90000" marR="90000">
-                    <a:lnL w="720">
-                      <a:solidFill>
-                        <a:srgbClr val="ffffff"/>
-                      </a:solidFill>
+                  <a:tcPr anchor="t" marL="90000" marR="90000">
+                    <a:lnL>
+                      <a:noFill/>
                     </a:lnL>
-                    <a:lnR w="720">
-                      <a:solidFill>
-                        <a:srgbClr val="ffffff"/>
-                      </a:solidFill>
+                    <a:lnR>
+                      <a:noFill/>
                     </a:lnR>
-                    <a:lnT w="720">
-                      <a:solidFill>
-                        <a:srgbClr val="ffffff"/>
-                      </a:solidFill>
+                    <a:lnT>
+                      <a:noFill/>
                     </a:lnT>
-                    <a:lnB w="720">
-                      <a:solidFill>
-                        <a:srgbClr val="ffffff"/>
-                      </a:solidFill>
+                    <a:lnB>
+                      <a:noFill/>
                     </a:lnB>
                     <a:solidFill>
-                      <a:srgbClr val="b3b3b3"/>
+                      <a:srgbClr val="729fcf"/>
                     </a:solidFill>
                   </a:tcPr>
                 </a:tc>
               </a:tr>
               <a:tr h="216000">
                 <a:tc>
-                  <a:tcPr marL="90000" marR="90000">
+                  <a:tcPr anchor="t" marL="90000" marR="90000">
                     <a:lnL w="720">
                       <a:solidFill>
                         <a:srgbClr val="ffffff"/>
@@ -2888,10 +2982,16 @@
                 </a:tc>
                 <a:tc>
                   <a:txBody>
-                    <a:bodyPr lIns="90000" rIns="90000" tIns="46800" bIns="46800">
+                    <a:bodyPr lIns="90000" rIns="90000" anchor="t">
                       <a:noAutofit/>
                     </a:bodyPr>
                     <a:p>
+                      <a:pPr>
+                        <a:lnSpc>
+                          <a:spcPct val="100000"/>
+                        </a:lnSpc>
+                        <a:buNone/>
+                      </a:pPr>
                       <a:r>
                         <a:rPr b="0" lang="en-US" sz="1800" spc="-1" strike="noStrike">
                           <a:latin typeface="Arial"/>
@@ -2903,7 +3003,7 @@
                       </a:endParaRPr>
                     </a:p>
                   </a:txBody>
-                  <a:tcPr marL="90000" marR="90000">
+                  <a:tcPr anchor="t" marL="90000" marR="90000">
                     <a:lnL w="720">
                       <a:solidFill>
                         <a:srgbClr val="ffffff"/>
@@ -2931,10 +3031,16 @@
                 </a:tc>
                 <a:tc>
                   <a:txBody>
-                    <a:bodyPr lIns="90000" rIns="90000" tIns="46800" bIns="46800">
+                    <a:bodyPr lIns="90000" rIns="90000" anchor="t">
                       <a:noAutofit/>
                     </a:bodyPr>
                     <a:p>
+                      <a:pPr>
+                        <a:lnSpc>
+                          <a:spcPct val="100000"/>
+                        </a:lnSpc>
+                        <a:buNone/>
+                      </a:pPr>
                       <a:r>
                         <a:rPr b="0" lang="en-US" sz="1800" spc="-1" strike="noStrike">
                           <a:latin typeface="Arial"/>
@@ -2946,7 +3052,7 @@
                       </a:endParaRPr>
                     </a:p>
                   </a:txBody>
-                  <a:tcPr marL="90000" marR="90000">
+                  <a:tcPr anchor="t" marL="90000" marR="90000">
                     <a:lnL w="720">
                       <a:solidFill>
                         <a:srgbClr val="ffffff"/>
@@ -2974,10 +3080,16 @@
                 </a:tc>
                 <a:tc>
                   <a:txBody>
-                    <a:bodyPr lIns="90000" rIns="90000" tIns="46800" bIns="46800">
+                    <a:bodyPr lIns="90000" rIns="90000" anchor="t">
                       <a:noAutofit/>
                     </a:bodyPr>
                     <a:p>
+                      <a:pPr>
+                        <a:lnSpc>
+                          <a:spcPct val="100000"/>
+                        </a:lnSpc>
+                        <a:buNone/>
+                      </a:pPr>
                       <a:r>
                         <a:rPr b="0" lang="en-US" sz="1800" spc="-1" strike="noStrike">
                           <a:latin typeface="Arial"/>
@@ -2989,7 +3101,7 @@
                       </a:endParaRPr>
                     </a:p>
                   </a:txBody>
-                  <a:tcPr marL="90000" marR="90000">
+                  <a:tcPr anchor="t" marL="90000" marR="90000">
                     <a:lnL w="720">
                       <a:solidFill>
                         <a:srgbClr val="ffffff"/>
@@ -3017,10 +3129,16 @@
                 </a:tc>
                 <a:tc>
                   <a:txBody>
-                    <a:bodyPr lIns="90000" rIns="90000" tIns="46800" bIns="46800">
+                    <a:bodyPr lIns="90000" rIns="90000" anchor="t">
                       <a:noAutofit/>
                     </a:bodyPr>
                     <a:p>
+                      <a:pPr>
+                        <a:lnSpc>
+                          <a:spcPct val="100000"/>
+                        </a:lnSpc>
+                        <a:buNone/>
+                      </a:pPr>
                       <a:r>
                         <a:rPr b="0" lang="en-US" sz="1800" spc="-1" strike="noStrike">
                           <a:latin typeface="Arial"/>
@@ -3032,7 +3150,7 @@
                       </a:endParaRPr>
                     </a:p>
                   </a:txBody>
-                  <a:tcPr marL="90000" marR="90000">
+                  <a:tcPr anchor="t" marL="90000" marR="90000">
                     <a:lnL w="720">
                       <a:solidFill>
                         <a:srgbClr val="ffffff"/>
@@ -3060,10 +3178,16 @@
                 </a:tc>
                 <a:tc>
                   <a:txBody>
-                    <a:bodyPr lIns="90000" rIns="90000" tIns="46800" bIns="46800">
+                    <a:bodyPr lIns="90000" rIns="90000" anchor="t">
                       <a:noAutofit/>
                     </a:bodyPr>
                     <a:p>
+                      <a:pPr>
+                        <a:lnSpc>
+                          <a:spcPct val="100000"/>
+                        </a:lnSpc>
+                        <a:buNone/>
+                      </a:pPr>
                       <a:r>
                         <a:rPr b="0" lang="en-US" sz="1800" spc="-1" strike="noStrike">
                           <a:latin typeface="Arial"/>
@@ -3075,7 +3199,7 @@
                       </a:endParaRPr>
                     </a:p>
                   </a:txBody>
-                  <a:tcPr marL="90000" marR="90000">
+                  <a:tcPr anchor="t" marL="90000" marR="90000">
                     <a:lnL w="720">
                       <a:solidFill>
                         <a:srgbClr val="ffffff"/>
@@ -3103,10 +3227,16 @@
                 </a:tc>
                 <a:tc>
                   <a:txBody>
-                    <a:bodyPr lIns="90000" rIns="90000" tIns="46800" bIns="46800">
+                    <a:bodyPr lIns="90000" rIns="90000" anchor="t">
                       <a:noAutofit/>
                     </a:bodyPr>
                     <a:p>
+                      <a:pPr>
+                        <a:lnSpc>
+                          <a:spcPct val="100000"/>
+                        </a:lnSpc>
+                        <a:buNone/>
+                      </a:pPr>
                       <a:r>
                         <a:rPr b="0" lang="en-US" sz="1800" spc="-1" strike="noStrike">
                           <a:latin typeface="Arial"/>
@@ -3118,7 +3248,7 @@
                       </a:endParaRPr>
                     </a:p>
                   </a:txBody>
-                  <a:tcPr marL="90000" marR="90000">
+                  <a:tcPr anchor="t" marL="90000" marR="90000">
                     <a:lnL w="720">
                       <a:solidFill>
                         <a:srgbClr val="ffffff"/>
@@ -3148,10 +3278,16 @@
               <a:tr h="216000">
                 <a:tc>
                   <a:txBody>
-                    <a:bodyPr lIns="90000" rIns="90000" tIns="46800" bIns="46800">
+                    <a:bodyPr lIns="90000" rIns="90000" anchor="t">
                       <a:noAutofit/>
                     </a:bodyPr>
                     <a:p>
+                      <a:pPr>
+                        <a:lnSpc>
+                          <a:spcPct val="100000"/>
+                        </a:lnSpc>
+                        <a:buNone/>
+                      </a:pPr>
                       <a:r>
                         <a:rPr b="0" lang="en-US" sz="1800" spc="-1" strike="noStrike">
                           <a:latin typeface="Arial"/>
@@ -3163,7 +3299,7 @@
                       </a:endParaRPr>
                     </a:p>
                   </a:txBody>
-                  <a:tcPr marL="90000" marR="90000">
+                  <a:tcPr anchor="t" marL="90000" marR="90000">
                     <a:lnL w="720">
                       <a:solidFill>
                         <a:srgbClr val="ffffff"/>
@@ -3191,22 +3327,28 @@
                 </a:tc>
                 <a:tc>
                   <a:txBody>
-                    <a:bodyPr lIns="90000" rIns="90000" tIns="46800" bIns="46800">
+                    <a:bodyPr lIns="90000" rIns="90000" anchor="t">
                       <a:noAutofit/>
                     </a:bodyPr>
                     <a:p>
+                      <a:pPr>
+                        <a:lnSpc>
+                          <a:spcPct val="100000"/>
+                        </a:lnSpc>
+                        <a:buNone/>
+                      </a:pPr>
                       <a:r>
                         <a:rPr b="0" lang="en-US" sz="1800" spc="-1" strike="noStrike">
                           <a:latin typeface="Arial"/>
                         </a:rPr>
-                        <a:t>?</a:t>
+                        <a:t>ae:b8</a:t>
                       </a:r>
                       <a:endParaRPr b="0" lang="en-US" sz="1800" spc="-1" strike="noStrike">
                         <a:latin typeface="Arial"/>
                       </a:endParaRPr>
                     </a:p>
                   </a:txBody>
-                  <a:tcPr marL="90000" marR="90000">
+                  <a:tcPr anchor="t" marL="90000" marR="90000">
                     <a:lnL w="720">
                       <a:solidFill>
                         <a:srgbClr val="ffffff"/>
@@ -3234,7 +3376,7 @@
                 </a:tc>
                 <a:tc>
                   <a:txBody>
-                    <a:bodyPr lIns="90000" rIns="90000" tIns="46800" bIns="46800">
+                    <a:bodyPr lIns="90000" rIns="90000" anchor="t">
                       <a:noAutofit/>
                     </a:bodyPr>
                     <a:p>
@@ -3242,6 +3384,401 @@
                         <a:lnSpc>
                           <a:spcPct val="100000"/>
                         </a:lnSpc>
+                        <a:buNone/>
+                      </a:pPr>
+                      <a:r>
+                        <a:rPr b="0" lang="en-US" sz="1800" spc="-1" strike="noStrike">
+                          <a:latin typeface="Arial"/>
+                        </a:rPr>
+                        <a:t>ff:ff</a:t>
+                      </a:r>
+                      <a:endParaRPr b="0" lang="en-US" sz="1800" spc="-1" strike="noStrike">
+                        <a:latin typeface="Arial"/>
+                      </a:endParaRPr>
+                    </a:p>
+                  </a:txBody>
+                  <a:tcPr anchor="t" marL="90000" marR="90000">
+                    <a:lnL w="720">
+                      <a:solidFill>
+                        <a:srgbClr val="ffffff"/>
+                      </a:solidFill>
+                    </a:lnL>
+                    <a:lnR w="720">
+                      <a:solidFill>
+                        <a:srgbClr val="ffffff"/>
+                      </a:solidFill>
+                    </a:lnR>
+                    <a:lnT w="720">
+                      <a:solidFill>
+                        <a:srgbClr val="ffffff"/>
+                      </a:solidFill>
+                    </a:lnT>
+                    <a:lnB w="720">
+                      <a:solidFill>
+                        <a:srgbClr val="ffffff"/>
+                      </a:solidFill>
+                    </a:lnB>
+                    <a:solidFill>
+                      <a:srgbClr val="e6e6e6"/>
+                    </a:solidFill>
+                  </a:tcPr>
+                </a:tc>
+                <a:tc>
+                  <a:txBody>
+                    <a:bodyPr lIns="90000" rIns="90000" anchor="t">
+                      <a:noAutofit/>
+                    </a:bodyPr>
+                    <a:p>
+                      <a:pPr>
+                        <a:lnSpc>
+                          <a:spcPct val="100000"/>
+                        </a:lnSpc>
+                        <a:buNone/>
+                      </a:pPr>
+                      <a:r>
+                        <a:rPr b="0" lang="en-US" sz="1800" spc="-1" strike="noStrike">
+                          <a:latin typeface="Arial"/>
+                        </a:rPr>
+                        <a:t>ae:b8</a:t>
+                      </a:r>
+                      <a:endParaRPr b="0" lang="en-US" sz="1800" spc="-1" strike="noStrike">
+                        <a:latin typeface="Arial"/>
+                      </a:endParaRPr>
+                    </a:p>
+                  </a:txBody>
+                  <a:tcPr anchor="t" marL="90000" marR="90000">
+                    <a:lnL w="720">
+                      <a:solidFill>
+                        <a:srgbClr val="ffffff"/>
+                      </a:solidFill>
+                    </a:lnL>
+                    <a:lnR w="720">
+                      <a:solidFill>
+                        <a:srgbClr val="ffffff"/>
+                      </a:solidFill>
+                    </a:lnR>
+                    <a:lnT w="720">
+                      <a:solidFill>
+                        <a:srgbClr val="ffffff"/>
+                      </a:solidFill>
+                    </a:lnT>
+                    <a:lnB w="720">
+                      <a:solidFill>
+                        <a:srgbClr val="ffffff"/>
+                      </a:solidFill>
+                    </a:lnB>
+                    <a:solidFill>
+                      <a:srgbClr val="e6e6e6"/>
+                    </a:solidFill>
+                  </a:tcPr>
+                </a:tc>
+                <a:tc>
+                  <a:txBody>
+                    <a:bodyPr lIns="90000" rIns="90000" anchor="t">
+                      <a:noAutofit/>
+                    </a:bodyPr>
+                    <a:p>
+                      <a:pPr>
+                        <a:lnSpc>
+                          <a:spcPct val="100000"/>
+                        </a:lnSpc>
+                        <a:buNone/>
+                      </a:pPr>
+                      <a:r>
+                        <a:rPr b="0" lang="en-US" sz="1800" spc="-1" strike="noStrike">
+                          <a:latin typeface="Arial"/>
+                        </a:rPr>
+                        <a:t>89.203</a:t>
+                      </a:r>
+                      <a:endParaRPr b="0" lang="en-US" sz="1800" spc="-1" strike="noStrike">
+                        <a:latin typeface="Arial"/>
+                      </a:endParaRPr>
+                    </a:p>
+                  </a:txBody>
+                  <a:tcPr anchor="t" marL="90000" marR="90000">
+                    <a:lnL w="720">
+                      <a:solidFill>
+                        <a:srgbClr val="ffffff"/>
+                      </a:solidFill>
+                    </a:lnL>
+                    <a:lnR w="720">
+                      <a:solidFill>
+                        <a:srgbClr val="ffffff"/>
+                      </a:solidFill>
+                    </a:lnR>
+                    <a:lnT w="720">
+                      <a:solidFill>
+                        <a:srgbClr val="ffffff"/>
+                      </a:solidFill>
+                    </a:lnT>
+                    <a:lnB w="720">
+                      <a:solidFill>
+                        <a:srgbClr val="ffffff"/>
+                      </a:solidFill>
+                    </a:lnB>
+                    <a:solidFill>
+                      <a:srgbClr val="e6e6e6"/>
+                    </a:solidFill>
+                  </a:tcPr>
+                </a:tc>
+                <a:tc>
+                  <a:txBody>
+                    <a:bodyPr lIns="90000" rIns="90000" anchor="t">
+                      <a:noAutofit/>
+                    </a:bodyPr>
+                    <a:p>
+                      <a:pPr>
+                        <a:lnSpc>
+                          <a:spcPct val="100000"/>
+                        </a:lnSpc>
+                        <a:buNone/>
+                      </a:pPr>
+                      <a:r>
+                        <a:rPr b="0" lang="en-US" sz="1800" spc="-1" strike="noStrike">
+                          <a:latin typeface="Arial"/>
+                        </a:rPr>
+                        <a:t>00:00</a:t>
+                      </a:r>
+                      <a:endParaRPr b="0" lang="en-US" sz="1800" spc="-1" strike="noStrike">
+                        <a:latin typeface="Arial"/>
+                      </a:endParaRPr>
+                    </a:p>
+                  </a:txBody>
+                  <a:tcPr anchor="t" marL="90000" marR="90000">
+                    <a:lnL w="720">
+                      <a:solidFill>
+                        <a:srgbClr val="ffffff"/>
+                      </a:solidFill>
+                    </a:lnL>
+                    <a:lnR w="720">
+                      <a:solidFill>
+                        <a:srgbClr val="ffffff"/>
+                      </a:solidFill>
+                    </a:lnR>
+                    <a:lnT w="720">
+                      <a:solidFill>
+                        <a:srgbClr val="ffffff"/>
+                      </a:solidFill>
+                    </a:lnT>
+                    <a:lnB w="720">
+                      <a:solidFill>
+                        <a:srgbClr val="ffffff"/>
+                      </a:solidFill>
+                    </a:lnB>
+                    <a:solidFill>
+                      <a:srgbClr val="e6e6e6"/>
+                    </a:solidFill>
+                  </a:tcPr>
+                </a:tc>
+                <a:tc>
+                  <a:txBody>
+                    <a:bodyPr lIns="90000" rIns="90000" anchor="t">
+                      <a:noAutofit/>
+                    </a:bodyPr>
+                    <a:p>
+                      <a:pPr>
+                        <a:lnSpc>
+                          <a:spcPct val="100000"/>
+                        </a:lnSpc>
+                        <a:buNone/>
+                      </a:pPr>
+                      <a:r>
+                        <a:rPr b="0" lang="en-US" sz="1800" spc="-1" strike="noStrike">
+                          <a:latin typeface="Arial"/>
+                        </a:rPr>
+                        <a:t>89.113</a:t>
+                      </a:r>
+                      <a:endParaRPr b="0" lang="en-US" sz="1800" spc="-1" strike="noStrike">
+                        <a:latin typeface="Arial"/>
+                      </a:endParaRPr>
+                    </a:p>
+                  </a:txBody>
+                  <a:tcPr anchor="t" marL="90000" marR="90000">
+                    <a:lnL w="720">
+                      <a:solidFill>
+                        <a:srgbClr val="ffffff"/>
+                      </a:solidFill>
+                    </a:lnL>
+                    <a:lnR w="720">
+                      <a:solidFill>
+                        <a:srgbClr val="ffffff"/>
+                      </a:solidFill>
+                    </a:lnR>
+                    <a:lnT w="720">
+                      <a:solidFill>
+                        <a:srgbClr val="ffffff"/>
+                      </a:solidFill>
+                    </a:lnT>
+                    <a:lnB w="720">
+                      <a:solidFill>
+                        <a:srgbClr val="ffffff"/>
+                      </a:solidFill>
+                    </a:lnB>
+                    <a:solidFill>
+                      <a:srgbClr val="e6e6e6"/>
+                    </a:solidFill>
+                  </a:tcPr>
+                </a:tc>
+              </a:tr>
+              <a:tr h="281160">
+                <a:tc>
+                  <a:txBody>
+                    <a:bodyPr lIns="90000" rIns="90000" anchor="t">
+                      <a:noAutofit/>
+                    </a:bodyPr>
+                    <a:p>
+                      <a:pPr>
+                        <a:lnSpc>
+                          <a:spcPct val="100000"/>
+                        </a:lnSpc>
+                        <a:buNone/>
+                      </a:pPr>
+                      <a:r>
+                        <a:rPr b="0" lang="en-US" sz="1800" spc="-1" strike="noStrike">
+                          <a:latin typeface="Arial"/>
+                        </a:rPr>
+                        <a:t>reply</a:t>
+                      </a:r>
+                      <a:endParaRPr b="0" lang="en-US" sz="1800" spc="-1" strike="noStrike">
+                        <a:latin typeface="Arial"/>
+                      </a:endParaRPr>
+                    </a:p>
+                  </a:txBody>
+                  <a:tcPr anchor="t" marL="90000" marR="90000">
+                    <a:lnL w="720">
+                      <a:solidFill>
+                        <a:srgbClr val="ffffff"/>
+                      </a:solidFill>
+                    </a:lnL>
+                    <a:lnR w="720">
+                      <a:solidFill>
+                        <a:srgbClr val="ffffff"/>
+                      </a:solidFill>
+                    </a:lnR>
+                    <a:lnT w="720">
+                      <a:solidFill>
+                        <a:srgbClr val="ffffff"/>
+                      </a:solidFill>
+                    </a:lnT>
+                    <a:lnB w="720">
+                      <a:solidFill>
+                        <a:srgbClr val="ffffff"/>
+                      </a:solidFill>
+                    </a:lnB>
+                    <a:solidFill>
+                      <a:srgbClr val="cccccc"/>
+                    </a:solidFill>
+                  </a:tcPr>
+                </a:tc>
+                <a:tc>
+                  <a:txBody>
+                    <a:bodyPr lIns="90000" rIns="90000" anchor="t">
+                      <a:noAutofit/>
+                    </a:bodyPr>
+                    <a:p>
+                      <a:pPr>
+                        <a:lnSpc>
+                          <a:spcPct val="100000"/>
+                        </a:lnSpc>
+                        <a:buNone/>
+                      </a:pPr>
+                      <a:r>
+                        <a:rPr b="0" lang="en-US" sz="1800" spc="-1" strike="noStrike">
+                          <a:latin typeface="Arial"/>
+                        </a:rPr>
+                        <a:t>6e:98</a:t>
+                      </a:r>
+                      <a:endParaRPr b="0" lang="en-US" sz="1800" spc="-1" strike="noStrike">
+                        <a:latin typeface="Arial"/>
+                      </a:endParaRPr>
+                    </a:p>
+                  </a:txBody>
+                  <a:tcPr anchor="t" marL="90000" marR="90000">
+                    <a:lnL w="720">
+                      <a:solidFill>
+                        <a:srgbClr val="ffffff"/>
+                      </a:solidFill>
+                    </a:lnL>
+                    <a:lnR w="720">
+                      <a:solidFill>
+                        <a:srgbClr val="ffffff"/>
+                      </a:solidFill>
+                    </a:lnR>
+                    <a:lnT w="720">
+                      <a:solidFill>
+                        <a:srgbClr val="ffffff"/>
+                      </a:solidFill>
+                    </a:lnT>
+                    <a:lnB w="720">
+                      <a:solidFill>
+                        <a:srgbClr val="ffffff"/>
+                      </a:solidFill>
+                    </a:lnB>
+                    <a:solidFill>
+                      <a:srgbClr val="cccccc"/>
+                    </a:solidFill>
+                  </a:tcPr>
+                </a:tc>
+                <a:tc>
+                  <a:txBody>
+                    <a:bodyPr lIns="90000" rIns="90000" anchor="t">
+                      <a:noAutofit/>
+                    </a:bodyPr>
+                    <a:p>
+                      <a:pPr>
+                        <a:lnSpc>
+                          <a:spcPct val="100000"/>
+                        </a:lnSpc>
+                        <a:buNone/>
+                      </a:pPr>
+                      <a:r>
+                        <a:rPr b="0" lang="en-US" sz="1800" spc="-1" strike="noStrike">
+                          <a:latin typeface="Arial"/>
+                        </a:rPr>
+                        <a:t>ae:b8</a:t>
+                      </a:r>
+                      <a:endParaRPr b="0" lang="en-US" sz="1800" spc="-1" strike="noStrike">
+                        <a:latin typeface="Arial"/>
+                      </a:endParaRPr>
+                    </a:p>
+                  </a:txBody>
+                  <a:tcPr anchor="t" marL="90000" marR="90000">
+                    <a:lnL w="720">
+                      <a:solidFill>
+                        <a:srgbClr val="ffffff"/>
+                      </a:solidFill>
+                    </a:lnL>
+                    <a:lnR w="720">
+                      <a:solidFill>
+                        <a:srgbClr val="ffffff"/>
+                      </a:solidFill>
+                    </a:lnR>
+                    <a:lnT w="720">
+                      <a:solidFill>
+                        <a:srgbClr val="ffffff"/>
+                      </a:solidFill>
+                    </a:lnT>
+                    <a:lnB w="720">
+                      <a:solidFill>
+                        <a:srgbClr val="ffffff"/>
+                      </a:solidFill>
+                    </a:lnB>
+                    <a:solidFill>
+                      <a:srgbClr val="cccccc"/>
+                    </a:solidFill>
+                  </a:tcPr>
+                </a:tc>
+                <a:tc>
+                  <a:txBody>
+                    <a:bodyPr lIns="90000" rIns="90000" anchor="t">
+                      <a:noAutofit/>
+                    </a:bodyPr>
+                    <a:p>
+                      <a:pPr>
+                        <a:lnSpc>
+                          <a:spcPct val="100000"/>
+                        </a:lnSpc>
+                        <a:buNone/>
                       </a:pPr>
                       <a:r>
                         <a:rPr b="0" lang="en-US" sz="1800" spc="-1" strike="noStrike">
@@ -3254,7 +3791,7 @@
                       </a:endParaRPr>
                     </a:p>
                   </a:txBody>
-                  <a:tcPr marL="90000" marR="90000">
+                  <a:tcPr anchor="t" marL="90000" marR="90000">
                     <a:lnL w="720">
                       <a:solidFill>
                         <a:srgbClr val="ffffff"/>
@@ -3276,13 +3813,13 @@
                       </a:solidFill>
                     </a:lnB>
                     <a:solidFill>
-                      <a:srgbClr val="e6e6e6"/>
+                      <a:srgbClr val="cccccc"/>
                     </a:solidFill>
                   </a:tcPr>
                 </a:tc>
                 <a:tc>
                   <a:txBody>
-                    <a:bodyPr lIns="90000" rIns="90000" tIns="46800" bIns="46800">
+                    <a:bodyPr lIns="90000" rIns="90000" anchor="t">
                       <a:noAutofit/>
                     </a:bodyPr>
                     <a:p>
@@ -3290,6 +3827,7 @@
                         <a:lnSpc>
                           <a:spcPct val="100000"/>
                         </a:lnSpc>
+                        <a:buNone/>
                       </a:pPr>
                       <a:r>
                         <a:rPr b="0" lang="en-US" sz="1800" spc="-1" strike="noStrike">
@@ -3302,7 +3840,7 @@
                       </a:endParaRPr>
                     </a:p>
                   </a:txBody>
-                  <a:tcPr marL="90000" marR="90000">
+                  <a:tcPr anchor="t" marL="90000" marR="90000">
                     <a:lnL w="720">
                       <a:solidFill>
                         <a:srgbClr val="ffffff"/>
@@ -3324,13 +3862,13 @@
                       </a:solidFill>
                     </a:lnB>
                     <a:solidFill>
-                      <a:srgbClr val="e6e6e6"/>
+                      <a:srgbClr val="cccccc"/>
                     </a:solidFill>
                   </a:tcPr>
                 </a:tc>
                 <a:tc>
                   <a:txBody>
-                    <a:bodyPr lIns="90000" rIns="90000" tIns="46800" bIns="46800">
+                    <a:bodyPr lIns="90000" rIns="90000" anchor="t">
                       <a:noAutofit/>
                     </a:bodyPr>
                     <a:p>
@@ -3338,6 +3876,7 @@
                         <a:lnSpc>
                           <a:spcPct val="100000"/>
                         </a:lnSpc>
+                        <a:buNone/>
                       </a:pPr>
                       <a:r>
                         <a:rPr b="0" lang="en-US" sz="1800" spc="-1" strike="noStrike">
@@ -3350,7 +3889,7 @@
                       </a:endParaRPr>
                     </a:p>
                   </a:txBody>
-                  <a:tcPr marL="90000" marR="90000">
+                  <a:tcPr anchor="t" marL="90000" marR="90000">
                     <a:lnL w="720">
                       <a:solidFill>
                         <a:srgbClr val="ffffff"/>
@@ -3372,13 +3911,13 @@
                       </a:solidFill>
                     </a:lnB>
                     <a:solidFill>
-                      <a:srgbClr val="e6e6e6"/>
+                      <a:srgbClr val="cccccc"/>
                     </a:solidFill>
                   </a:tcPr>
                 </a:tc>
                 <a:tc>
                   <a:txBody>
-                    <a:bodyPr lIns="90000" rIns="90000" tIns="46800" bIns="46800">
+                    <a:bodyPr lIns="90000" rIns="90000" anchor="t">
                       <a:noAutofit/>
                     </a:bodyPr>
                     <a:p>
@@ -3386,6 +3925,7 @@
                         <a:lnSpc>
                           <a:spcPct val="100000"/>
                         </a:lnSpc>
+                        <a:buNone/>
                       </a:pPr>
                       <a:r>
                         <a:rPr b="0" lang="en-US" sz="1800" spc="-1" strike="noStrike">
@@ -3398,388 +3938,7 @@
                       </a:endParaRPr>
                     </a:p>
                   </a:txBody>
-                  <a:tcPr marL="90000" marR="90000">
-                    <a:lnL w="720">
-                      <a:solidFill>
-                        <a:srgbClr val="ffffff"/>
-                      </a:solidFill>
-                    </a:lnL>
-                    <a:lnR w="720">
-                      <a:solidFill>
-                        <a:srgbClr val="ffffff"/>
-                      </a:solidFill>
-                    </a:lnR>
-                    <a:lnT w="720">
-                      <a:solidFill>
-                        <a:srgbClr val="ffffff"/>
-                      </a:solidFill>
-                    </a:lnT>
-                    <a:lnB w="720">
-                      <a:solidFill>
-                        <a:srgbClr val="ffffff"/>
-                      </a:solidFill>
-                    </a:lnB>
-                    <a:solidFill>
-                      <a:srgbClr val="e6e6e6"/>
-                    </a:solidFill>
-                  </a:tcPr>
-                </a:tc>
-                <a:tc>
-                  <a:txBody>
-                    <a:bodyPr lIns="90000" rIns="90000" tIns="46800" bIns="46800">
-                      <a:noAutofit/>
-                    </a:bodyPr>
-                    <a:p>
-                      <a:pPr>
-                        <a:lnSpc>
-                          <a:spcPct val="100000"/>
-                        </a:lnSpc>
-                      </a:pPr>
-                      <a:r>
-                        <a:rPr b="0" lang="en-US" sz="1800" spc="-1" strike="noStrike">
-                          <a:latin typeface="Arial"/>
-                        </a:rPr>
-                        <a:t>?</a:t>
-                      </a:r>
-                      <a:endParaRPr b="0" lang="en-US" sz="1800" spc="-1" strike="noStrike">
-                        <a:latin typeface="Arial"/>
-                      </a:endParaRPr>
-                    </a:p>
-                  </a:txBody>
-                  <a:tcPr marL="90000" marR="90000">
-                    <a:lnL w="720">
-                      <a:solidFill>
-                        <a:srgbClr val="ffffff"/>
-                      </a:solidFill>
-                    </a:lnL>
-                    <a:lnR w="720">
-                      <a:solidFill>
-                        <a:srgbClr val="ffffff"/>
-                      </a:solidFill>
-                    </a:lnR>
-                    <a:lnT w="720">
-                      <a:solidFill>
-                        <a:srgbClr val="ffffff"/>
-                      </a:solidFill>
-                    </a:lnT>
-                    <a:lnB w="720">
-                      <a:solidFill>
-                        <a:srgbClr val="ffffff"/>
-                      </a:solidFill>
-                    </a:lnB>
-                    <a:solidFill>
-                      <a:srgbClr val="e6e6e6"/>
-                    </a:solidFill>
-                  </a:tcPr>
-                </a:tc>
-              </a:tr>
-              <a:tr h="281160">
-                <a:tc>
-                  <a:txBody>
-                    <a:bodyPr lIns="90000" rIns="90000" tIns="46800" bIns="46800">
-                      <a:noAutofit/>
-                    </a:bodyPr>
-                    <a:p>
-                      <a:r>
-                        <a:rPr b="0" lang="en-US" sz="1800" spc="-1" strike="noStrike">
-                          <a:latin typeface="Arial"/>
-                        </a:rPr>
-                        <a:t>reply</a:t>
-                      </a:r>
-                      <a:endParaRPr b="0" lang="en-US" sz="1800" spc="-1" strike="noStrike">
-                        <a:latin typeface="Arial"/>
-                      </a:endParaRPr>
-                    </a:p>
-                  </a:txBody>
-                  <a:tcPr marL="90000" marR="90000">
-                    <a:lnL w="720">
-                      <a:solidFill>
-                        <a:srgbClr val="ffffff"/>
-                      </a:solidFill>
-                    </a:lnL>
-                    <a:lnR w="720">
-                      <a:solidFill>
-                        <a:srgbClr val="ffffff"/>
-                      </a:solidFill>
-                    </a:lnR>
-                    <a:lnT w="720">
-                      <a:solidFill>
-                        <a:srgbClr val="ffffff"/>
-                      </a:solidFill>
-                    </a:lnT>
-                    <a:lnB w="720">
-                      <a:solidFill>
-                        <a:srgbClr val="ffffff"/>
-                      </a:solidFill>
-                    </a:lnB>
-                    <a:solidFill>
-                      <a:srgbClr val="cccccc"/>
-                    </a:solidFill>
-                  </a:tcPr>
-                </a:tc>
-                <a:tc>
-                  <a:txBody>
-                    <a:bodyPr lIns="90000" rIns="90000" tIns="46800" bIns="46800">
-                      <a:noAutofit/>
-                    </a:bodyPr>
-                    <a:p>
-                      <a:pPr>
-                        <a:lnSpc>
-                          <a:spcPct val="100000"/>
-                        </a:lnSpc>
-                      </a:pPr>
-                      <a:r>
-                        <a:rPr b="0" lang="en-US" sz="1800" spc="-1" strike="noStrike">
-                          <a:latin typeface="Arial"/>
-                        </a:rPr>
-                        <a:t>?</a:t>
-                      </a:r>
-                      <a:endParaRPr b="0" lang="en-US" sz="1800" spc="-1" strike="noStrike">
-                        <a:latin typeface="Arial"/>
-                      </a:endParaRPr>
-                    </a:p>
-                  </a:txBody>
-                  <a:tcPr marL="90000" marR="90000">
-                    <a:lnL w="720">
-                      <a:solidFill>
-                        <a:srgbClr val="ffffff"/>
-                      </a:solidFill>
-                    </a:lnL>
-                    <a:lnR w="720">
-                      <a:solidFill>
-                        <a:srgbClr val="ffffff"/>
-                      </a:solidFill>
-                    </a:lnR>
-                    <a:lnT w="720">
-                      <a:solidFill>
-                        <a:srgbClr val="ffffff"/>
-                      </a:solidFill>
-                    </a:lnT>
-                    <a:lnB w="720">
-                      <a:solidFill>
-                        <a:srgbClr val="ffffff"/>
-                      </a:solidFill>
-                    </a:lnB>
-                    <a:solidFill>
-                      <a:srgbClr val="cccccc"/>
-                    </a:solidFill>
-                  </a:tcPr>
-                </a:tc>
-                <a:tc>
-                  <a:txBody>
-                    <a:bodyPr lIns="90000" rIns="90000" tIns="46800" bIns="46800">
-                      <a:noAutofit/>
-                    </a:bodyPr>
-                    <a:p>
-                      <a:pPr>
-                        <a:lnSpc>
-                          <a:spcPct val="100000"/>
-                        </a:lnSpc>
-                      </a:pPr>
-                      <a:r>
-                        <a:rPr b="0" lang="en-US" sz="1800" spc="-1" strike="noStrike">
-                          <a:latin typeface="Arial"/>
-                        </a:rPr>
-                        <a:t>?</a:t>
-                      </a:r>
-                      <a:endParaRPr b="0" lang="en-US" sz="1800" spc="-1" strike="noStrike">
-                        <a:latin typeface="Arial"/>
-                      </a:endParaRPr>
-                    </a:p>
-                  </a:txBody>
-                  <a:tcPr marL="90000" marR="90000">
-                    <a:lnL w="720">
-                      <a:solidFill>
-                        <a:srgbClr val="ffffff"/>
-                      </a:solidFill>
-                    </a:lnL>
-                    <a:lnR w="720">
-                      <a:solidFill>
-                        <a:srgbClr val="ffffff"/>
-                      </a:solidFill>
-                    </a:lnR>
-                    <a:lnT w="720">
-                      <a:solidFill>
-                        <a:srgbClr val="ffffff"/>
-                      </a:solidFill>
-                    </a:lnT>
-                    <a:lnB w="720">
-                      <a:solidFill>
-                        <a:srgbClr val="ffffff"/>
-                      </a:solidFill>
-                    </a:lnB>
-                    <a:solidFill>
-                      <a:srgbClr val="cccccc"/>
-                    </a:solidFill>
-                  </a:tcPr>
-                </a:tc>
-                <a:tc>
-                  <a:txBody>
-                    <a:bodyPr lIns="90000" rIns="90000" tIns="46800" bIns="46800">
-                      <a:noAutofit/>
-                    </a:bodyPr>
-                    <a:p>
-                      <a:pPr>
-                        <a:lnSpc>
-                          <a:spcPct val="100000"/>
-                        </a:lnSpc>
-                      </a:pPr>
-                      <a:r>
-                        <a:rPr b="0" lang="en-US" sz="1800" spc="-1" strike="noStrike">
-                          <a:latin typeface="Arial"/>
-                        </a:rPr>
-                        <a:t>?</a:t>
-                      </a:r>
-                      <a:endParaRPr b="0" lang="en-US" sz="1800" spc="-1" strike="noStrike">
-                        <a:latin typeface="Arial"/>
-                      </a:endParaRPr>
-                    </a:p>
-                  </a:txBody>
-                  <a:tcPr marL="90000" marR="90000">
-                    <a:lnL w="720">
-                      <a:solidFill>
-                        <a:srgbClr val="ffffff"/>
-                      </a:solidFill>
-                    </a:lnL>
-                    <a:lnR w="720">
-                      <a:solidFill>
-                        <a:srgbClr val="ffffff"/>
-                      </a:solidFill>
-                    </a:lnR>
-                    <a:lnT w="720">
-                      <a:solidFill>
-                        <a:srgbClr val="ffffff"/>
-                      </a:solidFill>
-                    </a:lnT>
-                    <a:lnB w="720">
-                      <a:solidFill>
-                        <a:srgbClr val="ffffff"/>
-                      </a:solidFill>
-                    </a:lnB>
-                    <a:solidFill>
-                      <a:srgbClr val="cccccc"/>
-                    </a:solidFill>
-                  </a:tcPr>
-                </a:tc>
-                <a:tc>
-                  <a:txBody>
-                    <a:bodyPr lIns="90000" rIns="90000" tIns="46800" bIns="46800">
-                      <a:noAutofit/>
-                    </a:bodyPr>
-                    <a:p>
-                      <a:pPr>
-                        <a:lnSpc>
-                          <a:spcPct val="100000"/>
-                        </a:lnSpc>
-                      </a:pPr>
-                      <a:r>
-                        <a:rPr b="0" lang="en-US" sz="1800" spc="-1" strike="noStrike">
-                          <a:latin typeface="Arial"/>
-                        </a:rPr>
-                        <a:t>?</a:t>
-                      </a:r>
-                      <a:endParaRPr b="0" lang="en-US" sz="1800" spc="-1" strike="noStrike">
-                        <a:latin typeface="Arial"/>
-                      </a:endParaRPr>
-                    </a:p>
-                  </a:txBody>
-                  <a:tcPr marL="90000" marR="90000">
-                    <a:lnL w="720">
-                      <a:solidFill>
-                        <a:srgbClr val="ffffff"/>
-                      </a:solidFill>
-                    </a:lnL>
-                    <a:lnR w="720">
-                      <a:solidFill>
-                        <a:srgbClr val="ffffff"/>
-                      </a:solidFill>
-                    </a:lnR>
-                    <a:lnT w="720">
-                      <a:solidFill>
-                        <a:srgbClr val="ffffff"/>
-                      </a:solidFill>
-                    </a:lnT>
-                    <a:lnB w="720">
-                      <a:solidFill>
-                        <a:srgbClr val="ffffff"/>
-                      </a:solidFill>
-                    </a:lnB>
-                    <a:solidFill>
-                      <a:srgbClr val="cccccc"/>
-                    </a:solidFill>
-                  </a:tcPr>
-                </a:tc>
-                <a:tc>
-                  <a:txBody>
-                    <a:bodyPr lIns="90000" rIns="90000" tIns="46800" bIns="46800">
-                      <a:noAutofit/>
-                    </a:bodyPr>
-                    <a:p>
-                      <a:pPr>
-                        <a:lnSpc>
-                          <a:spcPct val="100000"/>
-                        </a:lnSpc>
-                      </a:pPr>
-                      <a:r>
-                        <a:rPr b="0" lang="en-US" sz="1800" spc="-1" strike="noStrike">
-                          <a:latin typeface="Arial"/>
-                        </a:rPr>
-                        <a:t>?</a:t>
-                      </a:r>
-                      <a:endParaRPr b="0" lang="en-US" sz="1800" spc="-1" strike="noStrike">
-                        <a:latin typeface="Arial"/>
-                      </a:endParaRPr>
-                    </a:p>
-                  </a:txBody>
-                  <a:tcPr marL="90000" marR="90000">
-                    <a:lnL w="720">
-                      <a:solidFill>
-                        <a:srgbClr val="ffffff"/>
-                      </a:solidFill>
-                    </a:lnL>
-                    <a:lnR w="720">
-                      <a:solidFill>
-                        <a:srgbClr val="ffffff"/>
-                      </a:solidFill>
-                    </a:lnR>
-                    <a:lnT w="720">
-                      <a:solidFill>
-                        <a:srgbClr val="ffffff"/>
-                      </a:solidFill>
-                    </a:lnT>
-                    <a:lnB w="720">
-                      <a:solidFill>
-                        <a:srgbClr val="ffffff"/>
-                      </a:solidFill>
-                    </a:lnB>
-                    <a:solidFill>
-                      <a:srgbClr val="cccccc"/>
-                    </a:solidFill>
-                  </a:tcPr>
-                </a:tc>
-                <a:tc>
-                  <a:txBody>
-                    <a:bodyPr lIns="90000" rIns="90000" tIns="46800" bIns="46800">
-                      <a:noAutofit/>
-                    </a:bodyPr>
-                    <a:p>
-                      <a:pPr>
-                        <a:lnSpc>
-                          <a:spcPct val="100000"/>
-                        </a:lnSpc>
-                      </a:pPr>
-                      <a:r>
-                        <a:rPr b="0" lang="en-US" sz="1800" spc="-1" strike="noStrike">
-                          <a:latin typeface="Arial"/>
-                        </a:rPr>
-                        <a:t>?</a:t>
-                      </a:r>
-                      <a:endParaRPr b="0" lang="en-US" sz="1800" spc="-1" strike="noStrike">
-                        <a:latin typeface="Arial"/>
-                      </a:endParaRPr>
-                    </a:p>
-                  </a:txBody>
-                  <a:tcPr marL="90000" marR="90000">
+                  <a:tcPr anchor="t" marL="90000" marR="90000">
                     <a:lnL w="720">
                       <a:solidFill>
                         <a:srgbClr val="ffffff"/>
@@ -3812,14 +3971,14 @@
       </p:graphicFrame>
       <p:sp>
         <p:nvSpPr>
-          <p:cNvPr id="43" name="CustomShape 3"/>
+          <p:cNvPr id="40" name="CustomShape 3"/>
           <p:cNvSpPr/>
           <p:nvPr/>
         </p:nvSpPr>
         <p:spPr>
           <a:xfrm>
             <a:off x="5359680" y="1463040"/>
-            <a:ext cx="4515840" cy="274320"/>
+            <a:ext cx="4515480" cy="273960"/>
           </a:xfrm>
           <a:prstGeom prst="rect">
             <a:avLst/>
@@ -3827,7 +3986,7 @@
           <a:solidFill>
             <a:srgbClr val="729fcf"/>
           </a:solidFill>
-          <a:ln>
+          <a:ln w="0">
             <a:solidFill>
               <a:srgbClr val="3465a4"/>
             </a:solidFill>
@@ -3844,10 +4003,19 @@
             <a:noAutofit/>
           </a:bodyPr>
           <a:p>
-            <a:pPr algn="ctr"/>
+            <a:pPr algn="ctr">
+              <a:lnSpc>
+                <a:spcPct val="100000"/>
+              </a:lnSpc>
+              <a:buNone/>
+            </a:pPr>
             <a:r>
               <a:rPr b="0" lang="en-US" sz="1800" spc="-1" strike="noStrike">
+                <a:solidFill>
+                  <a:srgbClr val="000000"/>
+                </a:solidFill>
                 <a:latin typeface="Arial"/>
+                <a:ea typeface="DejaVu Sans"/>
               </a:rPr>
               <a:t>ICMP</a:t>
             </a:r>
@@ -3859,14 +4027,14 @@
       </p:sp>
       <p:sp>
         <p:nvSpPr>
-          <p:cNvPr id="44" name="CustomShape 4"/>
+          <p:cNvPr id="41" name="CustomShape 4"/>
           <p:cNvSpPr/>
           <p:nvPr/>
         </p:nvSpPr>
         <p:spPr>
           <a:xfrm>
             <a:off x="3749040" y="3840480"/>
-            <a:ext cx="6162120" cy="274320"/>
+            <a:ext cx="6161760" cy="273960"/>
           </a:xfrm>
           <a:prstGeom prst="rect">
             <a:avLst/>
@@ -3874,7 +4042,7 @@
           <a:solidFill>
             <a:srgbClr val="729fcf"/>
           </a:solidFill>
-          <a:ln>
+          <a:ln w="0">
             <a:solidFill>
               <a:srgbClr val="3465a4"/>
             </a:solidFill>
@@ -3891,10 +4059,19 @@
             <a:noAutofit/>
           </a:bodyPr>
           <a:p>
-            <a:pPr algn="ctr"/>
+            <a:pPr algn="ctr">
+              <a:lnSpc>
+                <a:spcPct val="100000"/>
+              </a:lnSpc>
+              <a:buNone/>
+            </a:pPr>
             <a:r>
               <a:rPr b="0" lang="en-US" sz="1800" spc="-1" strike="noStrike">
+                <a:solidFill>
+                  <a:srgbClr val="000000"/>
+                </a:solidFill>
                 <a:latin typeface="Arial"/>
+                <a:ea typeface="DejaVu Sans"/>
               </a:rPr>
               <a:t>ARP</a:t>
             </a:r>
@@ -3906,14 +4083,14 @@
       </p:sp>
       <p:sp>
         <p:nvSpPr>
-          <p:cNvPr id="45" name="CustomShape 5"/>
+          <p:cNvPr id="42" name="CustomShape 5"/>
           <p:cNvSpPr/>
           <p:nvPr/>
         </p:nvSpPr>
         <p:spPr>
           <a:xfrm>
             <a:off x="1645920" y="914400"/>
-            <a:ext cx="2011680" cy="914400"/>
+            <a:ext cx="2011320" cy="914040"/>
           </a:xfrm>
           <a:prstGeom prst="ellipse">
             <a:avLst/>
@@ -3921,7 +4098,7 @@
           <a:solidFill>
             <a:srgbClr val="729fcf"/>
           </a:solidFill>
-          <a:ln>
+          <a:ln w="0">
             <a:solidFill>
               <a:srgbClr val="3465a4"/>
             </a:solidFill>
@@ -3938,10 +4115,19 @@
             <a:noAutofit/>
           </a:bodyPr>
           <a:p>
-            <a:pPr algn="ctr"/>
+            <a:pPr algn="ctr">
+              <a:lnSpc>
+                <a:spcPct val="100000"/>
+              </a:lnSpc>
+              <a:buNone/>
+            </a:pPr>
             <a:r>
               <a:rPr b="0" lang="en-US" sz="1800" spc="-1" strike="noStrike">
+                <a:solidFill>
+                  <a:srgbClr val="000000"/>
+                </a:solidFill>
                 <a:latin typeface="Arial"/>
+                <a:ea typeface="DejaVu Sans"/>
               </a:rPr>
               <a:t>gateway</a:t>
             </a:r>
@@ -3950,24 +4136,42 @@
             </a:endParaRPr>
           </a:p>
           <a:p>
-            <a:pPr algn="ctr"/>
+            <a:pPr algn="ctr">
+              <a:lnSpc>
+                <a:spcPct val="100000"/>
+              </a:lnSpc>
+              <a:buNone/>
+            </a:pPr>
             <a:r>
               <a:rPr b="0" lang="en-US" sz="1800" spc="-1" strike="noStrike">
+                <a:solidFill>
+                  <a:srgbClr val="000000"/>
+                </a:solidFill>
                 <a:latin typeface="Arial"/>
+                <a:ea typeface="DejaVu Sans"/>
               </a:rPr>
-              <a:t>&lt;mac&gt;</a:t>
+              <a:t>82:d9:e5:98:6e:98</a:t>
             </a:r>
             <a:endParaRPr b="0" lang="en-US" sz="1800" spc="-1" strike="noStrike">
               <a:latin typeface="Arial"/>
             </a:endParaRPr>
           </a:p>
           <a:p>
-            <a:pPr algn="ctr"/>
+            <a:pPr algn="ctr">
+              <a:lnSpc>
+                <a:spcPct val="100000"/>
+              </a:lnSpc>
+              <a:buNone/>
+            </a:pPr>
             <a:r>
               <a:rPr b="0" lang="en-US" sz="1800" spc="-1" strike="noStrike">
+                <a:solidFill>
+                  <a:srgbClr val="000000"/>
+                </a:solidFill>
                 <a:latin typeface="Arial"/>
+                <a:ea typeface="DejaVu Sans"/>
               </a:rPr>
-              <a:t>&lt;ip&gt;</a:t>
+              <a:t>192.168.89.113</a:t>
             </a:r>
             <a:endParaRPr b="0" lang="en-US" sz="1800" spc="-1" strike="noStrike">
               <a:latin typeface="Arial"/>
@@ -3977,14 +4181,14 @@
       </p:sp>
       <p:sp>
         <p:nvSpPr>
-          <p:cNvPr id="46" name="CustomShape 6"/>
+          <p:cNvPr id="43" name="CustomShape 6"/>
           <p:cNvSpPr/>
           <p:nvPr/>
         </p:nvSpPr>
         <p:spPr>
           <a:xfrm>
             <a:off x="457200" y="2468880"/>
-            <a:ext cx="2011680" cy="914400"/>
+            <a:ext cx="2011320" cy="914040"/>
           </a:xfrm>
           <a:prstGeom prst="ellipse">
             <a:avLst/>
@@ -3992,7 +4196,7 @@
           <a:solidFill>
             <a:srgbClr val="729fcf"/>
           </a:solidFill>
-          <a:ln>
+          <a:ln w="0">
             <a:solidFill>
               <a:srgbClr val="3465a4"/>
             </a:solidFill>
@@ -4009,10 +4213,19 @@
             <a:noAutofit/>
           </a:bodyPr>
           <a:p>
-            <a:pPr algn="ctr"/>
+            <a:pPr algn="ctr">
+              <a:lnSpc>
+                <a:spcPct val="100000"/>
+              </a:lnSpc>
+              <a:buNone/>
+            </a:pPr>
             <a:r>
               <a:rPr b="0" lang="en-US" sz="1800" spc="-1" strike="noStrike">
+                <a:solidFill>
+                  <a:srgbClr val="000000"/>
+                </a:solidFill>
                 <a:latin typeface="Arial"/>
+                <a:ea typeface="DejaVu Sans"/>
               </a:rPr>
               <a:t>you</a:t>
             </a:r>
@@ -4025,12 +4238,17 @@
               <a:lnSpc>
                 <a:spcPct val="100000"/>
               </a:lnSpc>
+              <a:buNone/>
             </a:pPr>
             <a:r>
               <a:rPr b="0" lang="en-US" sz="1800" spc="-1" strike="noStrike">
+                <a:solidFill>
+                  <a:srgbClr val="000000"/>
+                </a:solidFill>
                 <a:latin typeface="Arial"/>
+                <a:ea typeface="DejaVu Sans"/>
               </a:rPr>
-              <a:t>&lt;mac&gt;</a:t>
+              <a:t>58:1c:f8:f3:f7:e6</a:t>
             </a:r>
             <a:endParaRPr b="0" lang="en-US" sz="1800" spc="-1" strike="noStrike">
               <a:latin typeface="Arial"/>
@@ -4041,12 +4259,17 @@
               <a:lnSpc>
                 <a:spcPct val="100000"/>
               </a:lnSpc>
+              <a:buNone/>
             </a:pPr>
             <a:r>
               <a:rPr b="0" lang="en-US" sz="1800" spc="-1" strike="noStrike">
+                <a:solidFill>
+                  <a:srgbClr val="000000"/>
+                </a:solidFill>
                 <a:latin typeface="Arial"/>
+                <a:ea typeface="DejaVu Sans"/>
               </a:rPr>
-              <a:t>&lt;ip&gt;</a:t>
+              <a:t>192.168.89.60</a:t>
             </a:r>
             <a:endParaRPr b="0" lang="en-US" sz="1800" spc="-1" strike="noStrike">
               <a:latin typeface="Arial"/>
@@ -4056,14 +4279,14 @@
       </p:sp>
       <p:sp>
         <p:nvSpPr>
-          <p:cNvPr id="47" name="CustomShape 7"/>
+          <p:cNvPr id="44" name="CustomShape 7"/>
           <p:cNvSpPr/>
           <p:nvPr/>
         </p:nvSpPr>
         <p:spPr>
           <a:xfrm>
             <a:off x="2651760" y="2468880"/>
-            <a:ext cx="2011680" cy="914400"/>
+            <a:ext cx="2011320" cy="914040"/>
           </a:xfrm>
           <a:prstGeom prst="ellipse">
             <a:avLst/>
@@ -4071,7 +4294,7 @@
           <a:solidFill>
             <a:srgbClr val="729fcf"/>
           </a:solidFill>
-          <a:ln>
+          <a:ln w="0">
             <a:solidFill>
               <a:srgbClr val="3465a4"/>
             </a:solidFill>
@@ -4088,10 +4311,19 @@
             <a:noAutofit/>
           </a:bodyPr>
           <a:p>
-            <a:pPr algn="ctr"/>
+            <a:pPr algn="ctr">
+              <a:lnSpc>
+                <a:spcPct val="100000"/>
+              </a:lnSpc>
+              <a:buNone/>
+            </a:pPr>
             <a:r>
               <a:rPr b="0" lang="en-US" sz="1800" spc="-1" strike="noStrike">
+                <a:solidFill>
+                  <a:srgbClr val="000000"/>
+                </a:solidFill>
                 <a:latin typeface="Arial"/>
+                <a:ea typeface="DejaVu Sans"/>
               </a:rPr>
               <a:t>me</a:t>
             </a:r>
@@ -4104,28 +4336,151 @@
               <a:lnSpc>
                 <a:spcPct val="100000"/>
               </a:lnSpc>
+              <a:buNone/>
+            </a:pPr>
+            <a:r>
+              <a:rPr b="0" lang="en-US" sz="1800" spc="-1" strike="noStrike">
+                <a:solidFill>
+                  <a:srgbClr val="000000"/>
+                </a:solidFill>
+                <a:latin typeface="Arial"/>
+                <a:ea typeface="DejaVu Sans"/>
+              </a:rPr>
+              <a:t>58:86:94:f3:ae:b8</a:t>
+            </a:r>
+            <a:endParaRPr b="0" lang="en-US" sz="1800" spc="-1" strike="noStrike">
+              <a:latin typeface="Arial"/>
+            </a:endParaRPr>
+          </a:p>
+          <a:p>
+            <a:pPr algn="ctr">
+              <a:lnSpc>
+                <a:spcPct val="100000"/>
+              </a:lnSpc>
+              <a:buNone/>
+            </a:pPr>
+            <a:r>
+              <a:rPr b="0" lang="en-US" sz="1800" spc="-1" strike="noStrike">
+                <a:solidFill>
+                  <a:srgbClr val="000000"/>
+                </a:solidFill>
+                <a:latin typeface="Arial"/>
+                <a:ea typeface="DejaVu Sans"/>
+              </a:rPr>
+              <a:t>192.168.89.203</a:t>
+            </a:r>
+            <a:endParaRPr b="0" lang="en-US" sz="1800" spc="-1" strike="noStrike">
+              <a:latin typeface="Arial"/>
+            </a:endParaRPr>
+          </a:p>
+        </p:txBody>
+      </p:sp>
+      <p:sp>
+        <p:nvSpPr>
+          <p:cNvPr id="45" name=""/>
+          <p:cNvSpPr/>
+          <p:nvPr/>
+        </p:nvSpPr>
+        <p:spPr>
+          <a:xfrm>
+            <a:off x="228600" y="3886200"/>
+            <a:ext cx="3200400" cy="1600200"/>
+          </a:xfrm>
+          <a:prstGeom prst="wedgeRectCallout">
+            <a:avLst>
+              <a:gd name="adj1" fmla="val 29694"/>
+              <a:gd name="adj2" fmla="val -83962"/>
+            </a:avLst>
+          </a:prstGeom>
+          <a:solidFill>
+            <a:srgbClr val="729fcf"/>
+          </a:solidFill>
+          <a:ln w="0">
+            <a:solidFill>
+              <a:srgbClr val="3465a4"/>
+            </a:solidFill>
+          </a:ln>
+        </p:spPr>
+        <p:style>
+          <a:lnRef idx="0"/>
+          <a:fillRef idx="0"/>
+          <a:effectRef idx="0"/>
+          <a:fontRef idx="minor"/>
+        </p:style>
+        <p:txBody>
+          <a:bodyPr lIns="90000" rIns="90000" tIns="45000" bIns="45000" anchor="ctr">
+            <a:noAutofit/>
+          </a:bodyPr>
+          <a:p>
+            <a:pPr algn="ctr">
+              <a:buNone/>
             </a:pPr>
             <a:r>
               <a:rPr b="0" lang="en-US" sz="1800" spc="-1" strike="noStrike">
                 <a:latin typeface="Arial"/>
               </a:rPr>
-              <a:t>&lt;mac&gt;</a:t>
+              <a:t>1. Arp </a:t>
             </a:r>
+            <a:r>
+              <a:rPr b="0" lang="en-US" sz="1800" spc="-1" strike="noStrike">
+                <a:latin typeface="Arial"/>
+              </a:rPr>
+              <a:t>request:</a:t>
+            </a:r>
+            <a:br>
+              <a:rPr sz="1800"/>
+            </a:br>
             <a:endParaRPr b="0" lang="en-US" sz="1800" spc="-1" strike="noStrike">
               <a:latin typeface="Arial"/>
             </a:endParaRPr>
           </a:p>
+        </p:txBody>
+      </p:sp>
+      <p:sp>
+        <p:nvSpPr>
+          <p:cNvPr id="46" name=""/>
+          <p:cNvSpPr/>
+          <p:nvPr/>
+        </p:nvSpPr>
+        <p:spPr>
+          <a:xfrm>
+            <a:off x="3657600" y="228600"/>
+            <a:ext cx="5257800" cy="914400"/>
+          </a:xfrm>
+          <a:prstGeom prst="wedgeRectCallout">
+            <a:avLst>
+              <a:gd name="adj1" fmla="val -53018"/>
+              <a:gd name="adj2" fmla="val 32916"/>
+            </a:avLst>
+          </a:prstGeom>
+          <a:solidFill>
+            <a:srgbClr val="729fcf"/>
+          </a:solidFill>
+          <a:ln w="0">
+            <a:solidFill>
+              <a:srgbClr val="3465a4"/>
+            </a:solidFill>
+          </a:ln>
+        </p:spPr>
+        <p:style>
+          <a:lnRef idx="0"/>
+          <a:fillRef idx="0"/>
+          <a:effectRef idx="0"/>
+          <a:fontRef idx="minor"/>
+        </p:style>
+        <p:txBody>
+          <a:bodyPr lIns="90000" rIns="90000" tIns="45000" bIns="45000" anchor="ctr">
+            <a:noAutofit/>
+          </a:bodyPr>
           <a:p>
             <a:pPr algn="ctr">
-              <a:lnSpc>
-                <a:spcPct val="100000"/>
-              </a:lnSpc>
+              <a:buNone/>
             </a:pPr>
             <a:r>
               <a:rPr b="0" lang="en-US" sz="1800" spc="-1" strike="noStrike">
                 <a:latin typeface="Arial"/>
               </a:rPr>
-              <a:t>&lt;ip&gt;</a:t>
+              <a:t>2. Arp reply</a:t>
             </a:r>
             <a:endParaRPr b="0" lang="en-US" sz="1800" spc="-1" strike="noStrike">
               <a:latin typeface="Arial"/>
